--- a/outputs/scale.pptx
+++ b/outputs/scale.pptx
@@ -4,17 +4,17 @@
   <p:sldMasterIdLst>
     <p:sldMasterId id="2147483648" r:id="rId1"/>
   </p:sldMasterIdLst>
-  <p:sldIdLst>
-    <p:sldId id="256" r:id="rId2"/>
+  <p:sldIdLst xmlns:a="http://schemas.openxmlformats.org/drawingml/2006/main" xmlns:r="http://schemas.openxmlformats.org/officeDocument/2006/relationships" xmlns:p="http://schemas.openxmlformats.org/presentationml/2006/main">
+    <p:sldId id="256" r:id="rId6"/>
   </p:sldIdLst>
-  <p:sldSz cx="10698163" cy="7562850"/>
+  <p:sldSz cx="7562850" cy="5330825"/>
   <p:notesSz cx="6858000" cy="9144000"/>
   <p:defaultTextStyle>
     <a:defPPr>
       <a:defRPr lang="en-US"/>
     </a:defPPr>
-    <a:lvl1pPr marL="0" algn="l" defTabSz="995964" rtl="0" eaLnBrk="1" latinLnBrk="0" hangingPunct="1">
-      <a:defRPr sz="2000" kern="1200">
+    <a:lvl1pPr marL="0" algn="l" defTabSz="526227" rtl="0" eaLnBrk="1" latinLnBrk="0" hangingPunct="1">
+      <a:defRPr sz="1100" kern="1200">
         <a:solidFill>
           <a:schemeClr val="tx1"/>
         </a:solidFill>
@@ -23,8 +23,8 @@
         <a:cs typeface="+mn-cs"/>
       </a:defRPr>
     </a:lvl1pPr>
-    <a:lvl2pPr marL="497982" algn="l" defTabSz="995964" rtl="0" eaLnBrk="1" latinLnBrk="0" hangingPunct="1">
-      <a:defRPr sz="2000" kern="1200">
+    <a:lvl2pPr marL="263113" algn="l" defTabSz="526227" rtl="0" eaLnBrk="1" latinLnBrk="0" hangingPunct="1">
+      <a:defRPr sz="1100" kern="1200">
         <a:solidFill>
           <a:schemeClr val="tx1"/>
         </a:solidFill>
@@ -33,8 +33,8 @@
         <a:cs typeface="+mn-cs"/>
       </a:defRPr>
     </a:lvl2pPr>
-    <a:lvl3pPr marL="995964" algn="l" defTabSz="995964" rtl="0" eaLnBrk="1" latinLnBrk="0" hangingPunct="1">
-      <a:defRPr sz="2000" kern="1200">
+    <a:lvl3pPr marL="526227" algn="l" defTabSz="526227" rtl="0" eaLnBrk="1" latinLnBrk="0" hangingPunct="1">
+      <a:defRPr sz="1100" kern="1200">
         <a:solidFill>
           <a:schemeClr val="tx1"/>
         </a:solidFill>
@@ -43,8 +43,8 @@
         <a:cs typeface="+mn-cs"/>
       </a:defRPr>
     </a:lvl3pPr>
-    <a:lvl4pPr marL="1493947" algn="l" defTabSz="995964" rtl="0" eaLnBrk="1" latinLnBrk="0" hangingPunct="1">
-      <a:defRPr sz="2000" kern="1200">
+    <a:lvl4pPr marL="789341" algn="l" defTabSz="526227" rtl="0" eaLnBrk="1" latinLnBrk="0" hangingPunct="1">
+      <a:defRPr sz="1100" kern="1200">
         <a:solidFill>
           <a:schemeClr val="tx1"/>
         </a:solidFill>
@@ -53,8 +53,8 @@
         <a:cs typeface="+mn-cs"/>
       </a:defRPr>
     </a:lvl4pPr>
-    <a:lvl5pPr marL="1991929" algn="l" defTabSz="995964" rtl="0" eaLnBrk="1" latinLnBrk="0" hangingPunct="1">
-      <a:defRPr sz="2000" kern="1200">
+    <a:lvl5pPr marL="1052454" algn="l" defTabSz="526227" rtl="0" eaLnBrk="1" latinLnBrk="0" hangingPunct="1">
+      <a:defRPr sz="1100" kern="1200">
         <a:solidFill>
           <a:schemeClr val="tx1"/>
         </a:solidFill>
@@ -63,8 +63,8 @@
         <a:cs typeface="+mn-cs"/>
       </a:defRPr>
     </a:lvl5pPr>
-    <a:lvl6pPr marL="2489911" algn="l" defTabSz="995964" rtl="0" eaLnBrk="1" latinLnBrk="0" hangingPunct="1">
-      <a:defRPr sz="2000" kern="1200">
+    <a:lvl6pPr marL="1315568" algn="l" defTabSz="526227" rtl="0" eaLnBrk="1" latinLnBrk="0" hangingPunct="1">
+      <a:defRPr sz="1100" kern="1200">
         <a:solidFill>
           <a:schemeClr val="tx1"/>
         </a:solidFill>
@@ -73,8 +73,8 @@
         <a:cs typeface="+mn-cs"/>
       </a:defRPr>
     </a:lvl6pPr>
-    <a:lvl7pPr marL="2987893" algn="l" defTabSz="995964" rtl="0" eaLnBrk="1" latinLnBrk="0" hangingPunct="1">
-      <a:defRPr sz="2000" kern="1200">
+    <a:lvl7pPr marL="1578681" algn="l" defTabSz="526227" rtl="0" eaLnBrk="1" latinLnBrk="0" hangingPunct="1">
+      <a:defRPr sz="1100" kern="1200">
         <a:solidFill>
           <a:schemeClr val="tx1"/>
         </a:solidFill>
@@ -83,8 +83,8 @@
         <a:cs typeface="+mn-cs"/>
       </a:defRPr>
     </a:lvl7pPr>
-    <a:lvl8pPr marL="3485876" algn="l" defTabSz="995964" rtl="0" eaLnBrk="1" latinLnBrk="0" hangingPunct="1">
-      <a:defRPr sz="2000" kern="1200">
+    <a:lvl8pPr marL="1841794" algn="l" defTabSz="526227" rtl="0" eaLnBrk="1" latinLnBrk="0" hangingPunct="1">
+      <a:defRPr sz="1100" kern="1200">
         <a:solidFill>
           <a:schemeClr val="tx1"/>
         </a:solidFill>
@@ -93,8 +93,8 @@
         <a:cs typeface="+mn-cs"/>
       </a:defRPr>
     </a:lvl8pPr>
-    <a:lvl9pPr marL="3983858" algn="l" defTabSz="995964" rtl="0" eaLnBrk="1" latinLnBrk="0" hangingPunct="1">
-      <a:defRPr sz="2000" kern="1200">
+    <a:lvl9pPr marL="2104908" algn="l" defTabSz="526227" rtl="0" eaLnBrk="1" latinLnBrk="0" hangingPunct="1">
+      <a:defRPr sz="1100" kern="1200">
         <a:solidFill>
           <a:schemeClr val="tx1"/>
         </a:solidFill>
@@ -104,22 +104,6 @@
       </a:defRPr>
     </a:lvl9pPr>
   </p:defaultTextStyle>
-  <p:extLst>
-    <p:ext uri="{EFAFB233-063F-42B5-8137-9DF3F51BA10A}">
-      <p15:sldGuideLst xmlns:p15="http://schemas.microsoft.com/office/powerpoint/2012/main">
-        <p15:guide id="1" orient="horz" pos="2382">
-          <p15:clr>
-            <a:srgbClr val="A4A3A4"/>
-          </p15:clr>
-        </p15:guide>
-        <p15:guide id="2" pos="3370">
-          <p15:clr>
-            <a:srgbClr val="A4A3A4"/>
-          </p15:clr>
-        </p15:guide>
-      </p15:sldGuideLst>
-    </p:ext>
-  </p:extLst>
 </p:presentation>
 </file>
 
@@ -152,8 +136,8 @@
         </p:nvSpPr>
         <p:spPr>
           <a:xfrm>
-            <a:off x="802362" y="2349388"/>
-            <a:ext cx="9093439" cy="1621111"/>
+            <a:off x="567214" y="1656014"/>
+            <a:ext cx="6428422" cy="1142672"/>
           </a:xfrm>
         </p:spPr>
         <p:txBody>
@@ -180,8 +164,8 @@
         </p:nvSpPr>
         <p:spPr>
           <a:xfrm>
-            <a:off x="1604725" y="4285615"/>
-            <a:ext cx="7488714" cy="1932728"/>
+            <a:off x="1134428" y="3020801"/>
+            <a:ext cx="5293995" cy="1362322"/>
           </a:xfrm>
         </p:spPr>
         <p:txBody>
@@ -197,7 +181,7 @@
                 </a:solidFill>
               </a:defRPr>
             </a:lvl1pPr>
-            <a:lvl2pPr marL="497982" indent="0" algn="ctr">
+            <a:lvl2pPr marL="263113" indent="0" algn="ctr">
               <a:buNone/>
               <a:defRPr>
                 <a:solidFill>
@@ -207,7 +191,7 @@
                 </a:solidFill>
               </a:defRPr>
             </a:lvl2pPr>
-            <a:lvl3pPr marL="995964" indent="0" algn="ctr">
+            <a:lvl3pPr marL="526227" indent="0" algn="ctr">
               <a:buNone/>
               <a:defRPr>
                 <a:solidFill>
@@ -217,7 +201,7 @@
                 </a:solidFill>
               </a:defRPr>
             </a:lvl3pPr>
-            <a:lvl4pPr marL="1493947" indent="0" algn="ctr">
+            <a:lvl4pPr marL="789341" indent="0" algn="ctr">
               <a:buNone/>
               <a:defRPr>
                 <a:solidFill>
@@ -227,7 +211,7 @@
                 </a:solidFill>
               </a:defRPr>
             </a:lvl4pPr>
-            <a:lvl5pPr marL="1991929" indent="0" algn="ctr">
+            <a:lvl5pPr marL="1052454" indent="0" algn="ctr">
               <a:buNone/>
               <a:defRPr>
                 <a:solidFill>
@@ -237,7 +221,7 @@
                 </a:solidFill>
               </a:defRPr>
             </a:lvl5pPr>
-            <a:lvl6pPr marL="2489911" indent="0" algn="ctr">
+            <a:lvl6pPr marL="1315568" indent="0" algn="ctr">
               <a:buNone/>
               <a:defRPr>
                 <a:solidFill>
@@ -247,7 +231,7 @@
                 </a:solidFill>
               </a:defRPr>
             </a:lvl6pPr>
-            <a:lvl7pPr marL="2987893" indent="0" algn="ctr">
+            <a:lvl7pPr marL="1578681" indent="0" algn="ctr">
               <a:buNone/>
               <a:defRPr>
                 <a:solidFill>
@@ -257,7 +241,7 @@
                 </a:solidFill>
               </a:defRPr>
             </a:lvl7pPr>
-            <a:lvl8pPr marL="3485876" indent="0" algn="ctr">
+            <a:lvl8pPr marL="1841794" indent="0" algn="ctr">
               <a:buNone/>
               <a:defRPr>
                 <a:solidFill>
@@ -267,7 +251,7 @@
                 </a:solidFill>
               </a:defRPr>
             </a:lvl8pPr>
-            <a:lvl9pPr marL="3983858" indent="0" algn="ctr">
+            <a:lvl9pPr marL="2104908" indent="0" algn="ctr">
               <a:buNone/>
               <a:defRPr>
                 <a:solidFill>
@@ -304,7 +288,7 @@
           <a:p>
             <a:fld id="{6BA5D40C-A8DC-479A-A5D3-E7B4936A184B}" type="datetimeFigureOut">
               <a:rPr lang="en-GB" smtClean="0"/>
-              <a:t>20/09/2019</a:t>
+              <a:t>15/07/2015</a:t>
             </a:fld>
             <a:endParaRPr lang="en-GB"/>
           </a:p>
@@ -474,7 +458,7 @@
           <a:p>
             <a:fld id="{6BA5D40C-A8DC-479A-A5D3-E7B4936A184B}" type="datetimeFigureOut">
               <a:rPr lang="en-GB" smtClean="0"/>
-              <a:t>20/09/2019</a:t>
+              <a:t>15/07/2015</a:t>
             </a:fld>
             <a:endParaRPr lang="en-GB"/>
           </a:p>
@@ -564,8 +548,8 @@
         </p:nvSpPr>
         <p:spPr>
           <a:xfrm>
-            <a:off x="8402515" y="302867"/>
-            <a:ext cx="2607678" cy="6452932"/>
+            <a:off x="5939989" y="213483"/>
+            <a:ext cx="1843445" cy="4548477"/>
           </a:xfrm>
         </p:spPr>
         <p:txBody>
@@ -592,8 +576,8 @@
         </p:nvSpPr>
         <p:spPr>
           <a:xfrm>
-            <a:off x="579485" y="302867"/>
-            <a:ext cx="7644730" cy="6452932"/>
+            <a:off x="409657" y="213483"/>
+            <a:ext cx="5404287" cy="4548477"/>
           </a:xfrm>
         </p:spPr>
         <p:txBody>
@@ -654,7 +638,7 @@
           <a:p>
             <a:fld id="{6BA5D40C-A8DC-479A-A5D3-E7B4936A184B}" type="datetimeFigureOut">
               <a:rPr lang="en-GB" smtClean="0"/>
-              <a:t>20/09/2019</a:t>
+              <a:t>15/07/2015</a:t>
             </a:fld>
             <a:endParaRPr lang="en-GB"/>
           </a:p>
@@ -824,7 +808,7 @@
           <a:p>
             <a:fld id="{6BA5D40C-A8DC-479A-A5D3-E7B4936A184B}" type="datetimeFigureOut">
               <a:rPr lang="en-GB" smtClean="0"/>
-              <a:t>20/09/2019</a:t>
+              <a:t>15/07/2015</a:t>
             </a:fld>
             <a:endParaRPr lang="en-GB"/>
           </a:p>
@@ -914,15 +898,15 @@
         </p:nvSpPr>
         <p:spPr>
           <a:xfrm>
-            <a:off x="845081" y="4859833"/>
-            <a:ext cx="9093439" cy="1502066"/>
+            <a:off x="597414" y="3425550"/>
+            <a:ext cx="6428422" cy="1058761"/>
           </a:xfrm>
         </p:spPr>
         <p:txBody>
           <a:bodyPr anchor="t"/>
           <a:lstStyle>
             <a:lvl1pPr algn="l">
-              <a:defRPr sz="4400" b="1" cap="all"/>
+              <a:defRPr sz="2300" b="1" cap="all"/>
             </a:lvl1pPr>
           </a:lstStyle>
           <a:p>
@@ -946,8 +930,8 @@
         </p:nvSpPr>
         <p:spPr>
           <a:xfrm>
-            <a:off x="845081" y="3205460"/>
-            <a:ext cx="9093439" cy="1654373"/>
+            <a:off x="597414" y="2259433"/>
+            <a:ext cx="6428422" cy="1166118"/>
           </a:xfrm>
         </p:spPr>
         <p:txBody>
@@ -955,7 +939,7 @@
           <a:lstStyle>
             <a:lvl1pPr marL="0" indent="0">
               <a:buNone/>
-              <a:defRPr sz="2200">
+              <a:defRPr sz="1200">
                 <a:solidFill>
                   <a:schemeClr val="tx1">
                     <a:tint val="75000"/>
@@ -963,9 +947,9 @@
                 </a:solidFill>
               </a:defRPr>
             </a:lvl1pPr>
-            <a:lvl2pPr marL="497982" indent="0">
-              <a:buNone/>
-              <a:defRPr sz="2000">
+            <a:lvl2pPr marL="263113" indent="0">
+              <a:buNone/>
+              <a:defRPr sz="1100">
                 <a:solidFill>
                   <a:schemeClr val="tx1">
                     <a:tint val="75000"/>
@@ -973,9 +957,9 @@
                 </a:solidFill>
               </a:defRPr>
             </a:lvl2pPr>
-            <a:lvl3pPr marL="995964" indent="0">
-              <a:buNone/>
-              <a:defRPr sz="1700">
+            <a:lvl3pPr marL="526227" indent="0">
+              <a:buNone/>
+              <a:defRPr sz="900">
                 <a:solidFill>
                   <a:schemeClr val="tx1">
                     <a:tint val="75000"/>
@@ -983,9 +967,9 @@
                 </a:solidFill>
               </a:defRPr>
             </a:lvl3pPr>
-            <a:lvl4pPr marL="1493947" indent="0">
-              <a:buNone/>
-              <a:defRPr sz="1500">
+            <a:lvl4pPr marL="789341" indent="0">
+              <a:buNone/>
+              <a:defRPr sz="800">
                 <a:solidFill>
                   <a:schemeClr val="tx1">
                     <a:tint val="75000"/>
@@ -993,9 +977,9 @@
                 </a:solidFill>
               </a:defRPr>
             </a:lvl4pPr>
-            <a:lvl5pPr marL="1991929" indent="0">
-              <a:buNone/>
-              <a:defRPr sz="1500">
+            <a:lvl5pPr marL="1052454" indent="0">
+              <a:buNone/>
+              <a:defRPr sz="800">
                 <a:solidFill>
                   <a:schemeClr val="tx1">
                     <a:tint val="75000"/>
@@ -1003,9 +987,9 @@
                 </a:solidFill>
               </a:defRPr>
             </a:lvl5pPr>
-            <a:lvl6pPr marL="2489911" indent="0">
-              <a:buNone/>
-              <a:defRPr sz="1500">
+            <a:lvl6pPr marL="1315568" indent="0">
+              <a:buNone/>
+              <a:defRPr sz="800">
                 <a:solidFill>
                   <a:schemeClr val="tx1">
                     <a:tint val="75000"/>
@@ -1013,9 +997,9 @@
                 </a:solidFill>
               </a:defRPr>
             </a:lvl6pPr>
-            <a:lvl7pPr marL="2987893" indent="0">
-              <a:buNone/>
-              <a:defRPr sz="1500">
+            <a:lvl7pPr marL="1578681" indent="0">
+              <a:buNone/>
+              <a:defRPr sz="800">
                 <a:solidFill>
                   <a:schemeClr val="tx1">
                     <a:tint val="75000"/>
@@ -1023,9 +1007,9 @@
                 </a:solidFill>
               </a:defRPr>
             </a:lvl7pPr>
-            <a:lvl8pPr marL="3485876" indent="0">
-              <a:buNone/>
-              <a:defRPr sz="1500">
+            <a:lvl8pPr marL="1841794" indent="0">
+              <a:buNone/>
+              <a:defRPr sz="800">
                 <a:solidFill>
                   <a:schemeClr val="tx1">
                     <a:tint val="75000"/>
@@ -1033,9 +1017,9 @@
                 </a:solidFill>
               </a:defRPr>
             </a:lvl8pPr>
-            <a:lvl9pPr marL="3983858" indent="0">
-              <a:buNone/>
-              <a:defRPr sz="1500">
+            <a:lvl9pPr marL="2104908" indent="0">
+              <a:buNone/>
+              <a:defRPr sz="800">
                 <a:solidFill>
                   <a:schemeClr val="tx1">
                     <a:tint val="75000"/>
@@ -1070,7 +1054,7 @@
           <a:p>
             <a:fld id="{6BA5D40C-A8DC-479A-A5D3-E7B4936A184B}" type="datetimeFigureOut">
               <a:rPr lang="en-GB" smtClean="0"/>
-              <a:t>20/09/2019</a:t>
+              <a:t>15/07/2015</a:t>
             </a:fld>
             <a:endParaRPr lang="en-GB"/>
           </a:p>
@@ -1183,39 +1167,39 @@
         </p:nvSpPr>
         <p:spPr>
           <a:xfrm>
-            <a:off x="579486" y="1764667"/>
-            <a:ext cx="5126203" cy="4991131"/>
+            <a:off x="409656" y="1243861"/>
+            <a:ext cx="3623866" cy="3518098"/>
           </a:xfrm>
         </p:spPr>
         <p:txBody>
           <a:bodyPr/>
           <a:lstStyle>
             <a:lvl1pPr>
-              <a:defRPr sz="3000"/>
+              <a:defRPr sz="1600"/>
             </a:lvl1pPr>
             <a:lvl2pPr>
-              <a:defRPr sz="2600"/>
+              <a:defRPr sz="1400"/>
             </a:lvl2pPr>
             <a:lvl3pPr>
-              <a:defRPr sz="2200"/>
+              <a:defRPr sz="1200"/>
             </a:lvl3pPr>
             <a:lvl4pPr>
-              <a:defRPr sz="2000"/>
+              <a:defRPr sz="1100"/>
             </a:lvl4pPr>
             <a:lvl5pPr>
-              <a:defRPr sz="2000"/>
+              <a:defRPr sz="1100"/>
             </a:lvl5pPr>
             <a:lvl6pPr>
-              <a:defRPr sz="2000"/>
+              <a:defRPr sz="1100"/>
             </a:lvl6pPr>
             <a:lvl7pPr>
-              <a:defRPr sz="2000"/>
+              <a:defRPr sz="1100"/>
             </a:lvl7pPr>
             <a:lvl8pPr>
-              <a:defRPr sz="2000"/>
+              <a:defRPr sz="1100"/>
             </a:lvl8pPr>
             <a:lvl9pPr>
-              <a:defRPr sz="2000"/>
+              <a:defRPr sz="1100"/>
             </a:lvl9pPr>
           </a:lstStyle>
           <a:p>
@@ -1268,39 +1252,39 @@
         </p:nvSpPr>
         <p:spPr>
           <a:xfrm>
-            <a:off x="5883991" y="1764667"/>
-            <a:ext cx="5126203" cy="4991131"/>
+            <a:off x="4159570" y="1243861"/>
+            <a:ext cx="3623866" cy="3518098"/>
           </a:xfrm>
         </p:spPr>
         <p:txBody>
           <a:bodyPr/>
           <a:lstStyle>
             <a:lvl1pPr>
-              <a:defRPr sz="3000"/>
+              <a:defRPr sz="1600"/>
             </a:lvl1pPr>
             <a:lvl2pPr>
-              <a:defRPr sz="2600"/>
+              <a:defRPr sz="1400"/>
             </a:lvl2pPr>
             <a:lvl3pPr>
-              <a:defRPr sz="2200"/>
+              <a:defRPr sz="1200"/>
             </a:lvl3pPr>
             <a:lvl4pPr>
-              <a:defRPr sz="2000"/>
+              <a:defRPr sz="1100"/>
             </a:lvl4pPr>
             <a:lvl5pPr>
-              <a:defRPr sz="2000"/>
+              <a:defRPr sz="1100"/>
             </a:lvl5pPr>
             <a:lvl6pPr>
-              <a:defRPr sz="2000"/>
+              <a:defRPr sz="1100"/>
             </a:lvl6pPr>
             <a:lvl7pPr>
-              <a:defRPr sz="2000"/>
+              <a:defRPr sz="1100"/>
             </a:lvl7pPr>
             <a:lvl8pPr>
-              <a:defRPr sz="2000"/>
+              <a:defRPr sz="1100"/>
             </a:lvl8pPr>
             <a:lvl9pPr>
-              <a:defRPr sz="2000"/>
+              <a:defRPr sz="1100"/>
             </a:lvl9pPr>
           </a:lstStyle>
           <a:p>
@@ -1358,7 +1342,7 @@
           <a:p>
             <a:fld id="{6BA5D40C-A8DC-479A-A5D3-E7B4936A184B}" type="datetimeFigureOut">
               <a:rPr lang="en-GB" smtClean="0"/>
-              <a:t>20/09/2019</a:t>
+              <a:t>15/07/2015</a:t>
             </a:fld>
             <a:endParaRPr lang="en-GB"/>
           </a:p>
@@ -1448,8 +1432,8 @@
         </p:nvSpPr>
         <p:spPr>
           <a:xfrm>
-            <a:off x="534908" y="302865"/>
-            <a:ext cx="9628347" cy="1260475"/>
+            <a:off x="378143" y="213480"/>
+            <a:ext cx="6806565" cy="888471"/>
           </a:xfrm>
         </p:spPr>
         <p:txBody>
@@ -1480,8 +1464,8 @@
         </p:nvSpPr>
         <p:spPr>
           <a:xfrm>
-            <a:off x="534909" y="1692889"/>
-            <a:ext cx="4726880" cy="705515"/>
+            <a:off x="378145" y="1193267"/>
+            <a:ext cx="3341572" cy="497296"/>
           </a:xfrm>
         </p:spPr>
         <p:txBody>
@@ -1489,39 +1473,39 @@
           <a:lstStyle>
             <a:lvl1pPr marL="0" indent="0">
               <a:buNone/>
-              <a:defRPr sz="2600" b="1"/>
+              <a:defRPr sz="1400" b="1"/>
             </a:lvl1pPr>
-            <a:lvl2pPr marL="497982" indent="0">
-              <a:buNone/>
-              <a:defRPr sz="2200" b="1"/>
+            <a:lvl2pPr marL="263113" indent="0">
+              <a:buNone/>
+              <a:defRPr sz="1200" b="1"/>
             </a:lvl2pPr>
-            <a:lvl3pPr marL="995964" indent="0">
-              <a:buNone/>
-              <a:defRPr sz="2000" b="1"/>
+            <a:lvl3pPr marL="526227" indent="0">
+              <a:buNone/>
+              <a:defRPr sz="1100" b="1"/>
             </a:lvl3pPr>
-            <a:lvl4pPr marL="1493947" indent="0">
-              <a:buNone/>
-              <a:defRPr sz="1700" b="1"/>
+            <a:lvl4pPr marL="789341" indent="0">
+              <a:buNone/>
+              <a:defRPr sz="900" b="1"/>
             </a:lvl4pPr>
-            <a:lvl5pPr marL="1991929" indent="0">
-              <a:buNone/>
-              <a:defRPr sz="1700" b="1"/>
+            <a:lvl5pPr marL="1052454" indent="0">
+              <a:buNone/>
+              <a:defRPr sz="900" b="1"/>
             </a:lvl5pPr>
-            <a:lvl6pPr marL="2489911" indent="0">
-              <a:buNone/>
-              <a:defRPr sz="1700" b="1"/>
+            <a:lvl6pPr marL="1315568" indent="0">
+              <a:buNone/>
+              <a:defRPr sz="900" b="1"/>
             </a:lvl6pPr>
-            <a:lvl7pPr marL="2987893" indent="0">
-              <a:buNone/>
-              <a:defRPr sz="1700" b="1"/>
+            <a:lvl7pPr marL="1578681" indent="0">
+              <a:buNone/>
+              <a:defRPr sz="900" b="1"/>
             </a:lvl7pPr>
-            <a:lvl8pPr marL="3485876" indent="0">
-              <a:buNone/>
-              <a:defRPr sz="1700" b="1"/>
+            <a:lvl8pPr marL="1841794" indent="0">
+              <a:buNone/>
+              <a:defRPr sz="900" b="1"/>
             </a:lvl8pPr>
-            <a:lvl9pPr marL="3983858" indent="0">
-              <a:buNone/>
-              <a:defRPr sz="1700" b="1"/>
+            <a:lvl9pPr marL="2104908" indent="0">
+              <a:buNone/>
+              <a:defRPr sz="900" b="1"/>
             </a:lvl9pPr>
           </a:lstStyle>
           <a:p>
@@ -1545,39 +1529,39 @@
         </p:nvSpPr>
         <p:spPr>
           <a:xfrm>
-            <a:off x="534909" y="2398404"/>
-            <a:ext cx="4726880" cy="4357393"/>
+            <a:off x="378145" y="1690563"/>
+            <a:ext cx="3341572" cy="3071394"/>
           </a:xfrm>
         </p:spPr>
         <p:txBody>
           <a:bodyPr/>
           <a:lstStyle>
             <a:lvl1pPr>
-              <a:defRPr sz="2600"/>
+              <a:defRPr sz="1400"/>
             </a:lvl1pPr>
             <a:lvl2pPr>
-              <a:defRPr sz="2200"/>
+              <a:defRPr sz="1200"/>
             </a:lvl2pPr>
             <a:lvl3pPr>
-              <a:defRPr sz="2000"/>
+              <a:defRPr sz="1100"/>
             </a:lvl3pPr>
             <a:lvl4pPr>
-              <a:defRPr sz="1700"/>
+              <a:defRPr sz="900"/>
             </a:lvl4pPr>
             <a:lvl5pPr>
-              <a:defRPr sz="1700"/>
+              <a:defRPr sz="900"/>
             </a:lvl5pPr>
             <a:lvl6pPr>
-              <a:defRPr sz="1700"/>
+              <a:defRPr sz="900"/>
             </a:lvl6pPr>
             <a:lvl7pPr>
-              <a:defRPr sz="1700"/>
+              <a:defRPr sz="900"/>
             </a:lvl7pPr>
             <a:lvl8pPr>
-              <a:defRPr sz="1700"/>
+              <a:defRPr sz="900"/>
             </a:lvl8pPr>
             <a:lvl9pPr>
-              <a:defRPr sz="1700"/>
+              <a:defRPr sz="900"/>
             </a:lvl9pPr>
           </a:lstStyle>
           <a:p>
@@ -1630,8 +1614,8 @@
         </p:nvSpPr>
         <p:spPr>
           <a:xfrm>
-            <a:off x="5434519" y="1692889"/>
-            <a:ext cx="4728738" cy="705515"/>
+            <a:off x="3841824" y="1193267"/>
+            <a:ext cx="3342886" cy="497296"/>
           </a:xfrm>
         </p:spPr>
         <p:txBody>
@@ -1639,39 +1623,39 @@
           <a:lstStyle>
             <a:lvl1pPr marL="0" indent="0">
               <a:buNone/>
-              <a:defRPr sz="2600" b="1"/>
+              <a:defRPr sz="1400" b="1"/>
             </a:lvl1pPr>
-            <a:lvl2pPr marL="497982" indent="0">
-              <a:buNone/>
-              <a:defRPr sz="2200" b="1"/>
+            <a:lvl2pPr marL="263113" indent="0">
+              <a:buNone/>
+              <a:defRPr sz="1200" b="1"/>
             </a:lvl2pPr>
-            <a:lvl3pPr marL="995964" indent="0">
-              <a:buNone/>
-              <a:defRPr sz="2000" b="1"/>
+            <a:lvl3pPr marL="526227" indent="0">
+              <a:buNone/>
+              <a:defRPr sz="1100" b="1"/>
             </a:lvl3pPr>
-            <a:lvl4pPr marL="1493947" indent="0">
-              <a:buNone/>
-              <a:defRPr sz="1700" b="1"/>
+            <a:lvl4pPr marL="789341" indent="0">
+              <a:buNone/>
+              <a:defRPr sz="900" b="1"/>
             </a:lvl4pPr>
-            <a:lvl5pPr marL="1991929" indent="0">
-              <a:buNone/>
-              <a:defRPr sz="1700" b="1"/>
+            <a:lvl5pPr marL="1052454" indent="0">
+              <a:buNone/>
+              <a:defRPr sz="900" b="1"/>
             </a:lvl5pPr>
-            <a:lvl6pPr marL="2489911" indent="0">
-              <a:buNone/>
-              <a:defRPr sz="1700" b="1"/>
+            <a:lvl6pPr marL="1315568" indent="0">
+              <a:buNone/>
+              <a:defRPr sz="900" b="1"/>
             </a:lvl6pPr>
-            <a:lvl7pPr marL="2987893" indent="0">
-              <a:buNone/>
-              <a:defRPr sz="1700" b="1"/>
+            <a:lvl7pPr marL="1578681" indent="0">
+              <a:buNone/>
+              <a:defRPr sz="900" b="1"/>
             </a:lvl7pPr>
-            <a:lvl8pPr marL="3485876" indent="0">
-              <a:buNone/>
-              <a:defRPr sz="1700" b="1"/>
+            <a:lvl8pPr marL="1841794" indent="0">
+              <a:buNone/>
+              <a:defRPr sz="900" b="1"/>
             </a:lvl8pPr>
-            <a:lvl9pPr marL="3983858" indent="0">
-              <a:buNone/>
-              <a:defRPr sz="1700" b="1"/>
+            <a:lvl9pPr marL="2104908" indent="0">
+              <a:buNone/>
+              <a:defRPr sz="900" b="1"/>
             </a:lvl9pPr>
           </a:lstStyle>
           <a:p>
@@ -1695,39 +1679,39 @@
         </p:nvSpPr>
         <p:spPr>
           <a:xfrm>
-            <a:off x="5434519" y="2398404"/>
-            <a:ext cx="4728738" cy="4357393"/>
+            <a:off x="3841824" y="1690563"/>
+            <a:ext cx="3342886" cy="3071394"/>
           </a:xfrm>
         </p:spPr>
         <p:txBody>
           <a:bodyPr/>
           <a:lstStyle>
             <a:lvl1pPr>
-              <a:defRPr sz="2600"/>
+              <a:defRPr sz="1400"/>
             </a:lvl1pPr>
             <a:lvl2pPr>
-              <a:defRPr sz="2200"/>
+              <a:defRPr sz="1200"/>
             </a:lvl2pPr>
             <a:lvl3pPr>
-              <a:defRPr sz="2000"/>
+              <a:defRPr sz="1100"/>
             </a:lvl3pPr>
             <a:lvl4pPr>
-              <a:defRPr sz="1700"/>
+              <a:defRPr sz="900"/>
             </a:lvl4pPr>
             <a:lvl5pPr>
-              <a:defRPr sz="1700"/>
+              <a:defRPr sz="900"/>
             </a:lvl5pPr>
             <a:lvl6pPr>
-              <a:defRPr sz="1700"/>
+              <a:defRPr sz="900"/>
             </a:lvl6pPr>
             <a:lvl7pPr>
-              <a:defRPr sz="1700"/>
+              <a:defRPr sz="900"/>
             </a:lvl7pPr>
             <a:lvl8pPr>
-              <a:defRPr sz="1700"/>
+              <a:defRPr sz="900"/>
             </a:lvl8pPr>
             <a:lvl9pPr>
-              <a:defRPr sz="1700"/>
+              <a:defRPr sz="900"/>
             </a:lvl9pPr>
           </a:lstStyle>
           <a:p>
@@ -1785,7 +1769,7 @@
           <a:p>
             <a:fld id="{6BA5D40C-A8DC-479A-A5D3-E7B4936A184B}" type="datetimeFigureOut">
               <a:rPr lang="en-GB" smtClean="0"/>
-              <a:t>20/09/2019</a:t>
+              <a:t>15/07/2015</a:t>
             </a:fld>
             <a:endParaRPr lang="en-GB"/>
           </a:p>
@@ -1903,7 +1887,7 @@
           <a:p>
             <a:fld id="{6BA5D40C-A8DC-479A-A5D3-E7B4936A184B}" type="datetimeFigureOut">
               <a:rPr lang="en-GB" smtClean="0"/>
-              <a:t>20/09/2019</a:t>
+              <a:t>15/07/2015</a:t>
             </a:fld>
             <a:endParaRPr lang="en-GB"/>
           </a:p>
@@ -1998,7 +1982,7 @@
           <a:p>
             <a:fld id="{6BA5D40C-A8DC-479A-A5D3-E7B4936A184B}" type="datetimeFigureOut">
               <a:rPr lang="en-GB" smtClean="0"/>
-              <a:t>20/09/2019</a:t>
+              <a:t>15/07/2015</a:t>
             </a:fld>
             <a:endParaRPr lang="en-GB"/>
           </a:p>
@@ -2088,15 +2072,15 @@
         </p:nvSpPr>
         <p:spPr>
           <a:xfrm>
-            <a:off x="534909" y="301113"/>
-            <a:ext cx="3519622" cy="1281483"/>
+            <a:off x="378145" y="212246"/>
+            <a:ext cx="2488126" cy="903279"/>
           </a:xfrm>
         </p:spPr>
         <p:txBody>
           <a:bodyPr anchor="b"/>
           <a:lstStyle>
             <a:lvl1pPr algn="l">
-              <a:defRPr sz="2200" b="1"/>
+              <a:defRPr sz="1200" b="1"/>
             </a:lvl1pPr>
           </a:lstStyle>
           <a:p>
@@ -2120,39 +2104,39 @@
         </p:nvSpPr>
         <p:spPr>
           <a:xfrm>
-            <a:off x="4182686" y="301116"/>
-            <a:ext cx="5980569" cy="6454683"/>
+            <a:off x="2956865" y="212248"/>
+            <a:ext cx="4227843" cy="4549712"/>
           </a:xfrm>
         </p:spPr>
         <p:txBody>
           <a:bodyPr/>
           <a:lstStyle>
             <a:lvl1pPr>
-              <a:defRPr sz="3500"/>
+              <a:defRPr sz="1800"/>
             </a:lvl1pPr>
             <a:lvl2pPr>
-              <a:defRPr sz="3000"/>
+              <a:defRPr sz="1600"/>
             </a:lvl2pPr>
             <a:lvl3pPr>
-              <a:defRPr sz="2600"/>
+              <a:defRPr sz="1400"/>
             </a:lvl3pPr>
             <a:lvl4pPr>
-              <a:defRPr sz="2200"/>
+              <a:defRPr sz="1200"/>
             </a:lvl4pPr>
             <a:lvl5pPr>
-              <a:defRPr sz="2200"/>
+              <a:defRPr sz="1200"/>
             </a:lvl5pPr>
             <a:lvl6pPr>
-              <a:defRPr sz="2200"/>
+              <a:defRPr sz="1200"/>
             </a:lvl6pPr>
             <a:lvl7pPr>
-              <a:defRPr sz="2200"/>
+              <a:defRPr sz="1200"/>
             </a:lvl7pPr>
             <a:lvl8pPr>
-              <a:defRPr sz="2200"/>
+              <a:defRPr sz="1200"/>
             </a:lvl8pPr>
             <a:lvl9pPr>
-              <a:defRPr sz="2200"/>
+              <a:defRPr sz="1200"/>
             </a:lvl9pPr>
           </a:lstStyle>
           <a:p>
@@ -2205,8 +2189,8 @@
         </p:nvSpPr>
         <p:spPr>
           <a:xfrm>
-            <a:off x="534909" y="1582598"/>
-            <a:ext cx="3519622" cy="5173200"/>
+            <a:off x="378145" y="1115526"/>
+            <a:ext cx="2488126" cy="3646433"/>
           </a:xfrm>
         </p:spPr>
         <p:txBody>
@@ -2214,39 +2198,39 @@
           <a:lstStyle>
             <a:lvl1pPr marL="0" indent="0">
               <a:buNone/>
-              <a:defRPr sz="1500"/>
+              <a:defRPr sz="800"/>
             </a:lvl1pPr>
-            <a:lvl2pPr marL="497982" indent="0">
-              <a:buNone/>
-              <a:defRPr sz="1300"/>
+            <a:lvl2pPr marL="263113" indent="0">
+              <a:buNone/>
+              <a:defRPr sz="700"/>
             </a:lvl2pPr>
-            <a:lvl3pPr marL="995964" indent="0">
-              <a:buNone/>
-              <a:defRPr sz="1100"/>
+            <a:lvl3pPr marL="526227" indent="0">
+              <a:buNone/>
+              <a:defRPr sz="600"/>
             </a:lvl3pPr>
-            <a:lvl4pPr marL="1493947" indent="0">
-              <a:buNone/>
-              <a:defRPr sz="1000"/>
+            <a:lvl4pPr marL="789341" indent="0">
+              <a:buNone/>
+              <a:defRPr sz="500"/>
             </a:lvl4pPr>
-            <a:lvl5pPr marL="1991929" indent="0">
-              <a:buNone/>
-              <a:defRPr sz="1000"/>
+            <a:lvl5pPr marL="1052454" indent="0">
+              <a:buNone/>
+              <a:defRPr sz="500"/>
             </a:lvl5pPr>
-            <a:lvl6pPr marL="2489911" indent="0">
-              <a:buNone/>
-              <a:defRPr sz="1000"/>
+            <a:lvl6pPr marL="1315568" indent="0">
+              <a:buNone/>
+              <a:defRPr sz="500"/>
             </a:lvl6pPr>
-            <a:lvl7pPr marL="2987893" indent="0">
-              <a:buNone/>
-              <a:defRPr sz="1000"/>
+            <a:lvl7pPr marL="1578681" indent="0">
+              <a:buNone/>
+              <a:defRPr sz="500"/>
             </a:lvl7pPr>
-            <a:lvl8pPr marL="3485876" indent="0">
-              <a:buNone/>
-              <a:defRPr sz="1000"/>
+            <a:lvl8pPr marL="1841794" indent="0">
+              <a:buNone/>
+              <a:defRPr sz="500"/>
             </a:lvl8pPr>
-            <a:lvl9pPr marL="3983858" indent="0">
-              <a:buNone/>
-              <a:defRPr sz="1000"/>
+            <a:lvl9pPr marL="2104908" indent="0">
+              <a:buNone/>
+              <a:defRPr sz="500"/>
             </a:lvl9pPr>
           </a:lstStyle>
           <a:p>
@@ -2275,7 +2259,7 @@
           <a:p>
             <a:fld id="{6BA5D40C-A8DC-479A-A5D3-E7B4936A184B}" type="datetimeFigureOut">
               <a:rPr lang="en-GB" smtClean="0"/>
-              <a:t>20/09/2019</a:t>
+              <a:t>15/07/2015</a:t>
             </a:fld>
             <a:endParaRPr lang="en-GB"/>
           </a:p>
@@ -2365,15 +2349,15 @@
         </p:nvSpPr>
         <p:spPr>
           <a:xfrm>
-            <a:off x="2096914" y="5293995"/>
-            <a:ext cx="6418898" cy="624986"/>
+            <a:off x="1482372" y="3731578"/>
+            <a:ext cx="4537710" cy="440534"/>
           </a:xfrm>
         </p:spPr>
         <p:txBody>
           <a:bodyPr anchor="b"/>
           <a:lstStyle>
             <a:lvl1pPr algn="l">
-              <a:defRPr sz="2200" b="1"/>
+              <a:defRPr sz="1200" b="1"/>
             </a:lvl1pPr>
           </a:lstStyle>
           <a:p>
@@ -2397,8 +2381,8 @@
         </p:nvSpPr>
         <p:spPr>
           <a:xfrm>
-            <a:off x="2096914" y="675755"/>
-            <a:ext cx="6418898" cy="4537710"/>
+            <a:off x="1482372" y="476319"/>
+            <a:ext cx="4537710" cy="3198495"/>
           </a:xfrm>
         </p:spPr>
         <p:txBody>
@@ -2406,39 +2390,39 @@
           <a:lstStyle>
             <a:lvl1pPr marL="0" indent="0">
               <a:buNone/>
-              <a:defRPr sz="3500"/>
+              <a:defRPr sz="1800"/>
             </a:lvl1pPr>
-            <a:lvl2pPr marL="497982" indent="0">
-              <a:buNone/>
-              <a:defRPr sz="3000"/>
+            <a:lvl2pPr marL="263113" indent="0">
+              <a:buNone/>
+              <a:defRPr sz="1600"/>
             </a:lvl2pPr>
-            <a:lvl3pPr marL="995964" indent="0">
-              <a:buNone/>
-              <a:defRPr sz="2600"/>
+            <a:lvl3pPr marL="526227" indent="0">
+              <a:buNone/>
+              <a:defRPr sz="1400"/>
             </a:lvl3pPr>
-            <a:lvl4pPr marL="1493947" indent="0">
-              <a:buNone/>
-              <a:defRPr sz="2200"/>
+            <a:lvl4pPr marL="789341" indent="0">
+              <a:buNone/>
+              <a:defRPr sz="1200"/>
             </a:lvl4pPr>
-            <a:lvl5pPr marL="1991929" indent="0">
-              <a:buNone/>
-              <a:defRPr sz="2200"/>
+            <a:lvl5pPr marL="1052454" indent="0">
+              <a:buNone/>
+              <a:defRPr sz="1200"/>
             </a:lvl5pPr>
-            <a:lvl6pPr marL="2489911" indent="0">
-              <a:buNone/>
-              <a:defRPr sz="2200"/>
+            <a:lvl6pPr marL="1315568" indent="0">
+              <a:buNone/>
+              <a:defRPr sz="1200"/>
             </a:lvl6pPr>
-            <a:lvl7pPr marL="2987893" indent="0">
-              <a:buNone/>
-              <a:defRPr sz="2200"/>
+            <a:lvl7pPr marL="1578681" indent="0">
+              <a:buNone/>
+              <a:defRPr sz="1200"/>
             </a:lvl7pPr>
-            <a:lvl8pPr marL="3485876" indent="0">
-              <a:buNone/>
-              <a:defRPr sz="2200"/>
+            <a:lvl8pPr marL="1841794" indent="0">
+              <a:buNone/>
+              <a:defRPr sz="1200"/>
             </a:lvl8pPr>
-            <a:lvl9pPr marL="3983858" indent="0">
-              <a:buNone/>
-              <a:defRPr sz="2200"/>
+            <a:lvl9pPr marL="2104908" indent="0">
+              <a:buNone/>
+              <a:defRPr sz="1200"/>
             </a:lvl9pPr>
           </a:lstStyle>
           <a:p>
@@ -2458,8 +2442,8 @@
         </p:nvSpPr>
         <p:spPr>
           <a:xfrm>
-            <a:off x="2096914" y="5918981"/>
-            <a:ext cx="6418898" cy="887584"/>
+            <a:off x="1482372" y="4172112"/>
+            <a:ext cx="4537710" cy="625631"/>
           </a:xfrm>
         </p:spPr>
         <p:txBody>
@@ -2467,39 +2451,39 @@
           <a:lstStyle>
             <a:lvl1pPr marL="0" indent="0">
               <a:buNone/>
-              <a:defRPr sz="1500"/>
+              <a:defRPr sz="800"/>
             </a:lvl1pPr>
-            <a:lvl2pPr marL="497982" indent="0">
-              <a:buNone/>
-              <a:defRPr sz="1300"/>
+            <a:lvl2pPr marL="263113" indent="0">
+              <a:buNone/>
+              <a:defRPr sz="700"/>
             </a:lvl2pPr>
-            <a:lvl3pPr marL="995964" indent="0">
-              <a:buNone/>
-              <a:defRPr sz="1100"/>
+            <a:lvl3pPr marL="526227" indent="0">
+              <a:buNone/>
+              <a:defRPr sz="600"/>
             </a:lvl3pPr>
-            <a:lvl4pPr marL="1493947" indent="0">
-              <a:buNone/>
-              <a:defRPr sz="1000"/>
+            <a:lvl4pPr marL="789341" indent="0">
+              <a:buNone/>
+              <a:defRPr sz="500"/>
             </a:lvl4pPr>
-            <a:lvl5pPr marL="1991929" indent="0">
-              <a:buNone/>
-              <a:defRPr sz="1000"/>
+            <a:lvl5pPr marL="1052454" indent="0">
+              <a:buNone/>
+              <a:defRPr sz="500"/>
             </a:lvl5pPr>
-            <a:lvl6pPr marL="2489911" indent="0">
-              <a:buNone/>
-              <a:defRPr sz="1000"/>
+            <a:lvl6pPr marL="1315568" indent="0">
+              <a:buNone/>
+              <a:defRPr sz="500"/>
             </a:lvl6pPr>
-            <a:lvl7pPr marL="2987893" indent="0">
-              <a:buNone/>
-              <a:defRPr sz="1000"/>
+            <a:lvl7pPr marL="1578681" indent="0">
+              <a:buNone/>
+              <a:defRPr sz="500"/>
             </a:lvl7pPr>
-            <a:lvl8pPr marL="3485876" indent="0">
-              <a:buNone/>
-              <a:defRPr sz="1000"/>
+            <a:lvl8pPr marL="1841794" indent="0">
+              <a:buNone/>
+              <a:defRPr sz="500"/>
             </a:lvl8pPr>
-            <a:lvl9pPr marL="3983858" indent="0">
-              <a:buNone/>
-              <a:defRPr sz="1000"/>
+            <a:lvl9pPr marL="2104908" indent="0">
+              <a:buNone/>
+              <a:defRPr sz="500"/>
             </a:lvl9pPr>
           </a:lstStyle>
           <a:p>
@@ -2528,7 +2512,7 @@
           <a:p>
             <a:fld id="{6BA5D40C-A8DC-479A-A5D3-E7B4936A184B}" type="datetimeFigureOut">
               <a:rPr lang="en-GB" smtClean="0"/>
-              <a:t>20/09/2019</a:t>
+              <a:t>15/07/2015</a:t>
             </a:fld>
             <a:endParaRPr lang="en-GB"/>
           </a:p>
@@ -2623,15 +2607,15 @@
         </p:nvSpPr>
         <p:spPr>
           <a:xfrm>
-            <a:off x="534908" y="302865"/>
-            <a:ext cx="9628347" cy="1260475"/>
+            <a:off x="378143" y="213480"/>
+            <a:ext cx="6806565" cy="888471"/>
           </a:xfrm>
           <a:prstGeom prst="rect">
             <a:avLst/>
           </a:prstGeom>
         </p:spPr>
         <p:txBody>
-          <a:bodyPr vert="horz" lIns="99596" tIns="49798" rIns="99596" bIns="49798" rtlCol="0" anchor="ctr">
+          <a:bodyPr vert="horz" lIns="52622" tIns="26311" rIns="52622" bIns="26311" rtlCol="0" anchor="ctr">
             <a:normAutofit/>
           </a:bodyPr>
           <a:lstStyle/>
@@ -2656,15 +2640,15 @@
         </p:nvSpPr>
         <p:spPr>
           <a:xfrm>
-            <a:off x="534908" y="1764667"/>
-            <a:ext cx="9628347" cy="4991131"/>
+            <a:off x="378143" y="1243861"/>
+            <a:ext cx="6806565" cy="3518098"/>
           </a:xfrm>
           <a:prstGeom prst="rect">
             <a:avLst/>
           </a:prstGeom>
         </p:spPr>
         <p:txBody>
-          <a:bodyPr vert="horz" lIns="99596" tIns="49798" rIns="99596" bIns="49798" rtlCol="0">
+          <a:bodyPr vert="horz" lIns="52622" tIns="26311" rIns="52622" bIns="26311" rtlCol="0">
             <a:normAutofit/>
           </a:bodyPr>
           <a:lstStyle/>
@@ -2718,18 +2702,18 @@
         </p:nvSpPr>
         <p:spPr>
           <a:xfrm>
-            <a:off x="534908" y="7009644"/>
-            <a:ext cx="2496238" cy="402652"/>
+            <a:off x="378142" y="4940888"/>
+            <a:ext cx="1764665" cy="283817"/>
           </a:xfrm>
           <a:prstGeom prst="rect">
             <a:avLst/>
           </a:prstGeom>
         </p:spPr>
         <p:txBody>
-          <a:bodyPr vert="horz" lIns="99596" tIns="49798" rIns="99596" bIns="49798" rtlCol="0" anchor="ctr"/>
+          <a:bodyPr vert="horz" lIns="52622" tIns="26311" rIns="52622" bIns="26311" rtlCol="0" anchor="ctr"/>
           <a:lstStyle>
             <a:lvl1pPr algn="l">
-              <a:defRPr sz="1300">
+              <a:defRPr sz="700">
                 <a:solidFill>
                   <a:schemeClr val="tx1">
                     <a:tint val="75000"/>
@@ -2741,7 +2725,7 @@
           <a:p>
             <a:fld id="{6BA5D40C-A8DC-479A-A5D3-E7B4936A184B}" type="datetimeFigureOut">
               <a:rPr lang="en-GB" smtClean="0"/>
-              <a:t>20/09/2019</a:t>
+              <a:t>15/07/2015</a:t>
             </a:fld>
             <a:endParaRPr lang="en-GB"/>
           </a:p>
@@ -2759,18 +2743,18 @@
         </p:nvSpPr>
         <p:spPr>
           <a:xfrm>
-            <a:off x="3655206" y="7009644"/>
-            <a:ext cx="3387752" cy="402652"/>
+            <a:off x="2583974" y="4940888"/>
+            <a:ext cx="2394903" cy="283817"/>
           </a:xfrm>
           <a:prstGeom prst="rect">
             <a:avLst/>
           </a:prstGeom>
         </p:spPr>
         <p:txBody>
-          <a:bodyPr vert="horz" lIns="99596" tIns="49798" rIns="99596" bIns="49798" rtlCol="0" anchor="ctr"/>
+          <a:bodyPr vert="horz" lIns="52622" tIns="26311" rIns="52622" bIns="26311" rtlCol="0" anchor="ctr"/>
           <a:lstStyle>
             <a:lvl1pPr algn="ctr">
-              <a:defRPr sz="1300">
+              <a:defRPr sz="700">
                 <a:solidFill>
                   <a:schemeClr val="tx1">
                     <a:tint val="75000"/>
@@ -2796,18 +2780,18 @@
         </p:nvSpPr>
         <p:spPr>
           <a:xfrm>
-            <a:off x="7667017" y="7009644"/>
-            <a:ext cx="2496238" cy="402652"/>
+            <a:off x="5420043" y="4940888"/>
+            <a:ext cx="1764665" cy="283817"/>
           </a:xfrm>
           <a:prstGeom prst="rect">
             <a:avLst/>
           </a:prstGeom>
         </p:spPr>
         <p:txBody>
-          <a:bodyPr vert="horz" lIns="99596" tIns="49798" rIns="99596" bIns="49798" rtlCol="0" anchor="ctr"/>
+          <a:bodyPr vert="horz" lIns="52622" tIns="26311" rIns="52622" bIns="26311" rtlCol="0" anchor="ctr"/>
           <a:lstStyle>
             <a:lvl1pPr algn="r">
-              <a:defRPr sz="1300">
+              <a:defRPr sz="700">
                 <a:solidFill>
                   <a:schemeClr val="tx1">
                     <a:tint val="75000"/>
@@ -2848,12 +2832,12 @@
   </p:sldLayoutIdLst>
   <p:txStyles>
     <p:titleStyle>
-      <a:lvl1pPr algn="ctr" defTabSz="995964" rtl="0" eaLnBrk="1" latinLnBrk="0" hangingPunct="1">
+      <a:lvl1pPr algn="ctr" defTabSz="526227" rtl="0" eaLnBrk="1" latinLnBrk="0" hangingPunct="1">
         <a:spcBef>
           <a:spcPct val="0"/>
         </a:spcBef>
         <a:buNone/>
-        <a:defRPr sz="4800" kern="1200">
+        <a:defRPr sz="2500" kern="1200">
           <a:solidFill>
             <a:schemeClr val="tx1"/>
           </a:solidFill>
@@ -2864,13 +2848,13 @@
       </a:lvl1pPr>
     </p:titleStyle>
     <p:bodyStyle>
-      <a:lvl1pPr marL="373487" indent="-373487" algn="l" defTabSz="995964" rtl="0" eaLnBrk="1" latinLnBrk="0" hangingPunct="1">
+      <a:lvl1pPr marL="197335" indent="-197335" algn="l" defTabSz="526227" rtl="0" eaLnBrk="1" latinLnBrk="0" hangingPunct="1">
         <a:spcBef>
           <a:spcPct val="20000"/>
         </a:spcBef>
         <a:buFont typeface="Arial" panose="020B0604020202020204" pitchFamily="34" charset="0"/>
         <a:buChar char="•"/>
-        <a:defRPr sz="3500" kern="1200">
+        <a:defRPr sz="1800" kern="1200">
           <a:solidFill>
             <a:schemeClr val="tx1"/>
           </a:solidFill>
@@ -2879,13 +2863,13 @@
           <a:cs typeface="+mn-cs"/>
         </a:defRPr>
       </a:lvl1pPr>
-      <a:lvl2pPr marL="809221" indent="-311239" algn="l" defTabSz="995964" rtl="0" eaLnBrk="1" latinLnBrk="0" hangingPunct="1">
+      <a:lvl2pPr marL="427559" indent="-164446" algn="l" defTabSz="526227" rtl="0" eaLnBrk="1" latinLnBrk="0" hangingPunct="1">
         <a:spcBef>
           <a:spcPct val="20000"/>
         </a:spcBef>
         <a:buFont typeface="Arial" panose="020B0604020202020204" pitchFamily="34" charset="0"/>
         <a:buChar char="–"/>
-        <a:defRPr sz="3000" kern="1200">
+        <a:defRPr sz="1600" kern="1200">
           <a:solidFill>
             <a:schemeClr val="tx1"/>
           </a:solidFill>
@@ -2894,13 +2878,13 @@
           <a:cs typeface="+mn-cs"/>
         </a:defRPr>
       </a:lvl2pPr>
-      <a:lvl3pPr marL="1244956" indent="-248991" algn="l" defTabSz="995964" rtl="0" eaLnBrk="1" latinLnBrk="0" hangingPunct="1">
+      <a:lvl3pPr marL="657784" indent="-131557" algn="l" defTabSz="526227" rtl="0" eaLnBrk="1" latinLnBrk="0" hangingPunct="1">
         <a:spcBef>
           <a:spcPct val="20000"/>
         </a:spcBef>
         <a:buFont typeface="Arial" panose="020B0604020202020204" pitchFamily="34" charset="0"/>
         <a:buChar char="•"/>
-        <a:defRPr sz="2600" kern="1200">
+        <a:defRPr sz="1400" kern="1200">
           <a:solidFill>
             <a:schemeClr val="tx1"/>
           </a:solidFill>
@@ -2909,13 +2893,13 @@
           <a:cs typeface="+mn-cs"/>
         </a:defRPr>
       </a:lvl3pPr>
-      <a:lvl4pPr marL="1742938" indent="-248991" algn="l" defTabSz="995964" rtl="0" eaLnBrk="1" latinLnBrk="0" hangingPunct="1">
+      <a:lvl4pPr marL="920897" indent="-131557" algn="l" defTabSz="526227" rtl="0" eaLnBrk="1" latinLnBrk="0" hangingPunct="1">
         <a:spcBef>
           <a:spcPct val="20000"/>
         </a:spcBef>
         <a:buFont typeface="Arial" panose="020B0604020202020204" pitchFamily="34" charset="0"/>
         <a:buChar char="–"/>
-        <a:defRPr sz="2200" kern="1200">
+        <a:defRPr sz="1200" kern="1200">
           <a:solidFill>
             <a:schemeClr val="tx1"/>
           </a:solidFill>
@@ -2924,13 +2908,13 @@
           <a:cs typeface="+mn-cs"/>
         </a:defRPr>
       </a:lvl4pPr>
-      <a:lvl5pPr marL="2240920" indent="-248991" algn="l" defTabSz="995964" rtl="0" eaLnBrk="1" latinLnBrk="0" hangingPunct="1">
+      <a:lvl5pPr marL="1184011" indent="-131557" algn="l" defTabSz="526227" rtl="0" eaLnBrk="1" latinLnBrk="0" hangingPunct="1">
         <a:spcBef>
           <a:spcPct val="20000"/>
         </a:spcBef>
         <a:buFont typeface="Arial" panose="020B0604020202020204" pitchFamily="34" charset="0"/>
         <a:buChar char="»"/>
-        <a:defRPr sz="2200" kern="1200">
+        <a:defRPr sz="1200" kern="1200">
           <a:solidFill>
             <a:schemeClr val="tx1"/>
           </a:solidFill>
@@ -2939,13 +2923,13 @@
           <a:cs typeface="+mn-cs"/>
         </a:defRPr>
       </a:lvl5pPr>
-      <a:lvl6pPr marL="2738902" indent="-248991" algn="l" defTabSz="995964" rtl="0" eaLnBrk="1" latinLnBrk="0" hangingPunct="1">
+      <a:lvl6pPr marL="1447125" indent="-131557" algn="l" defTabSz="526227" rtl="0" eaLnBrk="1" latinLnBrk="0" hangingPunct="1">
         <a:spcBef>
           <a:spcPct val="20000"/>
         </a:spcBef>
         <a:buFont typeface="Arial" panose="020B0604020202020204" pitchFamily="34" charset="0"/>
         <a:buChar char="•"/>
-        <a:defRPr sz="2200" kern="1200">
+        <a:defRPr sz="1200" kern="1200">
           <a:solidFill>
             <a:schemeClr val="tx1"/>
           </a:solidFill>
@@ -2954,13 +2938,13 @@
           <a:cs typeface="+mn-cs"/>
         </a:defRPr>
       </a:lvl6pPr>
-      <a:lvl7pPr marL="3236885" indent="-248991" algn="l" defTabSz="995964" rtl="0" eaLnBrk="1" latinLnBrk="0" hangingPunct="1">
+      <a:lvl7pPr marL="1710238" indent="-131557" algn="l" defTabSz="526227" rtl="0" eaLnBrk="1" latinLnBrk="0" hangingPunct="1">
         <a:spcBef>
           <a:spcPct val="20000"/>
         </a:spcBef>
         <a:buFont typeface="Arial" panose="020B0604020202020204" pitchFamily="34" charset="0"/>
         <a:buChar char="•"/>
-        <a:defRPr sz="2200" kern="1200">
+        <a:defRPr sz="1200" kern="1200">
           <a:solidFill>
             <a:schemeClr val="tx1"/>
           </a:solidFill>
@@ -2969,13 +2953,13 @@
           <a:cs typeface="+mn-cs"/>
         </a:defRPr>
       </a:lvl7pPr>
-      <a:lvl8pPr marL="3734867" indent="-248991" algn="l" defTabSz="995964" rtl="0" eaLnBrk="1" latinLnBrk="0" hangingPunct="1">
+      <a:lvl8pPr marL="1973351" indent="-131557" algn="l" defTabSz="526227" rtl="0" eaLnBrk="1" latinLnBrk="0" hangingPunct="1">
         <a:spcBef>
           <a:spcPct val="20000"/>
         </a:spcBef>
         <a:buFont typeface="Arial" panose="020B0604020202020204" pitchFamily="34" charset="0"/>
         <a:buChar char="•"/>
-        <a:defRPr sz="2200" kern="1200">
+        <a:defRPr sz="1200" kern="1200">
           <a:solidFill>
             <a:schemeClr val="tx1"/>
           </a:solidFill>
@@ -2984,13 +2968,13 @@
           <a:cs typeface="+mn-cs"/>
         </a:defRPr>
       </a:lvl8pPr>
-      <a:lvl9pPr marL="4232849" indent="-248991" algn="l" defTabSz="995964" rtl="0" eaLnBrk="1" latinLnBrk="0" hangingPunct="1">
+      <a:lvl9pPr marL="2236465" indent="-131557" algn="l" defTabSz="526227" rtl="0" eaLnBrk="1" latinLnBrk="0" hangingPunct="1">
         <a:spcBef>
           <a:spcPct val="20000"/>
         </a:spcBef>
         <a:buFont typeface="Arial" panose="020B0604020202020204" pitchFamily="34" charset="0"/>
         <a:buChar char="•"/>
-        <a:defRPr sz="2200" kern="1200">
+        <a:defRPr sz="1200" kern="1200">
           <a:solidFill>
             <a:schemeClr val="tx1"/>
           </a:solidFill>
@@ -3004,8 +2988,8 @@
       <a:defPPr>
         <a:defRPr lang="en-US"/>
       </a:defPPr>
-      <a:lvl1pPr marL="0" algn="l" defTabSz="995964" rtl="0" eaLnBrk="1" latinLnBrk="0" hangingPunct="1">
-        <a:defRPr sz="2000" kern="1200">
+      <a:lvl1pPr marL="0" algn="l" defTabSz="526227" rtl="0" eaLnBrk="1" latinLnBrk="0" hangingPunct="1">
+        <a:defRPr sz="1100" kern="1200">
           <a:solidFill>
             <a:schemeClr val="tx1"/>
           </a:solidFill>
@@ -3014,8 +2998,8 @@
           <a:cs typeface="+mn-cs"/>
         </a:defRPr>
       </a:lvl1pPr>
-      <a:lvl2pPr marL="497982" algn="l" defTabSz="995964" rtl="0" eaLnBrk="1" latinLnBrk="0" hangingPunct="1">
-        <a:defRPr sz="2000" kern="1200">
+      <a:lvl2pPr marL="263113" algn="l" defTabSz="526227" rtl="0" eaLnBrk="1" latinLnBrk="0" hangingPunct="1">
+        <a:defRPr sz="1100" kern="1200">
           <a:solidFill>
             <a:schemeClr val="tx1"/>
           </a:solidFill>
@@ -3024,8 +3008,8 @@
           <a:cs typeface="+mn-cs"/>
         </a:defRPr>
       </a:lvl2pPr>
-      <a:lvl3pPr marL="995964" algn="l" defTabSz="995964" rtl="0" eaLnBrk="1" latinLnBrk="0" hangingPunct="1">
-        <a:defRPr sz="2000" kern="1200">
+      <a:lvl3pPr marL="526227" algn="l" defTabSz="526227" rtl="0" eaLnBrk="1" latinLnBrk="0" hangingPunct="1">
+        <a:defRPr sz="1100" kern="1200">
           <a:solidFill>
             <a:schemeClr val="tx1"/>
           </a:solidFill>
@@ -3034,8 +3018,8 @@
           <a:cs typeface="+mn-cs"/>
         </a:defRPr>
       </a:lvl3pPr>
-      <a:lvl4pPr marL="1493947" algn="l" defTabSz="995964" rtl="0" eaLnBrk="1" latinLnBrk="0" hangingPunct="1">
-        <a:defRPr sz="2000" kern="1200">
+      <a:lvl4pPr marL="789341" algn="l" defTabSz="526227" rtl="0" eaLnBrk="1" latinLnBrk="0" hangingPunct="1">
+        <a:defRPr sz="1100" kern="1200">
           <a:solidFill>
             <a:schemeClr val="tx1"/>
           </a:solidFill>
@@ -3044,8 +3028,8 @@
           <a:cs typeface="+mn-cs"/>
         </a:defRPr>
       </a:lvl4pPr>
-      <a:lvl5pPr marL="1991929" algn="l" defTabSz="995964" rtl="0" eaLnBrk="1" latinLnBrk="0" hangingPunct="1">
-        <a:defRPr sz="2000" kern="1200">
+      <a:lvl5pPr marL="1052454" algn="l" defTabSz="526227" rtl="0" eaLnBrk="1" latinLnBrk="0" hangingPunct="1">
+        <a:defRPr sz="1100" kern="1200">
           <a:solidFill>
             <a:schemeClr val="tx1"/>
           </a:solidFill>
@@ -3054,8 +3038,8 @@
           <a:cs typeface="+mn-cs"/>
         </a:defRPr>
       </a:lvl5pPr>
-      <a:lvl6pPr marL="2489911" algn="l" defTabSz="995964" rtl="0" eaLnBrk="1" latinLnBrk="0" hangingPunct="1">
-        <a:defRPr sz="2000" kern="1200">
+      <a:lvl6pPr marL="1315568" algn="l" defTabSz="526227" rtl="0" eaLnBrk="1" latinLnBrk="0" hangingPunct="1">
+        <a:defRPr sz="1100" kern="1200">
           <a:solidFill>
             <a:schemeClr val="tx1"/>
           </a:solidFill>
@@ -3064,8 +3048,8 @@
           <a:cs typeface="+mn-cs"/>
         </a:defRPr>
       </a:lvl6pPr>
-      <a:lvl7pPr marL="2987893" algn="l" defTabSz="995964" rtl="0" eaLnBrk="1" latinLnBrk="0" hangingPunct="1">
-        <a:defRPr sz="2000" kern="1200">
+      <a:lvl7pPr marL="1578681" algn="l" defTabSz="526227" rtl="0" eaLnBrk="1" latinLnBrk="0" hangingPunct="1">
+        <a:defRPr sz="1100" kern="1200">
           <a:solidFill>
             <a:schemeClr val="tx1"/>
           </a:solidFill>
@@ -3074,8 +3058,8 @@
           <a:cs typeface="+mn-cs"/>
         </a:defRPr>
       </a:lvl7pPr>
-      <a:lvl8pPr marL="3485876" algn="l" defTabSz="995964" rtl="0" eaLnBrk="1" latinLnBrk="0" hangingPunct="1">
-        <a:defRPr sz="2000" kern="1200">
+      <a:lvl8pPr marL="1841794" algn="l" defTabSz="526227" rtl="0" eaLnBrk="1" latinLnBrk="0" hangingPunct="1">
+        <a:defRPr sz="1100" kern="1200">
           <a:solidFill>
             <a:schemeClr val="tx1"/>
           </a:solidFill>
@@ -3084,8 +3068,8 @@
           <a:cs typeface="+mn-cs"/>
         </a:defRPr>
       </a:lvl8pPr>
-      <a:lvl9pPr marL="3983858" algn="l" defTabSz="995964" rtl="0" eaLnBrk="1" latinLnBrk="0" hangingPunct="1">
-        <a:defRPr sz="2000" kern="1200">
+      <a:lvl9pPr marL="2104908" algn="l" defTabSz="526227" rtl="0" eaLnBrk="1" latinLnBrk="0" hangingPunct="1">
+        <a:defRPr sz="1100" kern="1200">
           <a:solidFill>
             <a:schemeClr val="tx1"/>
           </a:solidFill>
@@ -3116,39 +3100,45 @@
           <a:chExt cx="0" cy="0"/>
         </a:xfrm>
       </p:grpSpPr>
-      <p:grpSp>
+      <p:grpSp xmlns:a="http://schemas.openxmlformats.org/drawingml/2006/main" xmlns:r="http://schemas.openxmlformats.org/officeDocument/2006/relationships" xmlns:p="http://schemas.openxmlformats.org/presentationml/2006/main" xmlns:pic="http://schemas.openxmlformats.org/drawingml/2006/picture">
         <p:nvGrpSpPr>
-          <p:cNvPr id="39" name="Group 38"/>
+          <p:cNvPr id="2" name=""/>
           <p:cNvGrpSpPr/>
           <p:nvPr/>
         </p:nvGrpSpPr>
         <p:grpSpPr>
           <a:xfrm>
-            <a:off x="7581995" y="2435085"/>
-            <a:ext cx="1057019" cy="2874638"/>
-            <a:chOff x="7581995" y="2435085"/>
-            <a:chExt cx="1057019" cy="2874638"/>
+            <a:off x="1471613" y="1408112"/>
+            <a:ext cx="4619625" cy="2514600"/>
+            <a:chOff x="1471613" y="1408112"/>
+            <a:chExt cx="4619625" cy="2514600"/>
           </a:xfrm>
         </p:grpSpPr>
         <p:sp>
           <p:nvSpPr>
-            <p:cNvPr id="13" name="pt13"/>
+            <p:cNvPr id="3" name="rc3"/>
             <p:cNvSpPr/>
             <p:nvPr/>
           </p:nvSpPr>
           <p:spPr>
             <a:xfrm>
-              <a:off x="7619470" y="2435085"/>
-              <a:ext cx="415518" cy="415518"/>
+              <a:off x="1471612" y="1408112"/>
+              <a:ext cx="4619625" cy="2514600"/>
             </a:xfrm>
-            <a:prstGeom prst="ellipse">
+            <a:prstGeom prst="rect">
               <a:avLst/>
             </a:prstGeom>
             <a:solidFill>
-              <a:srgbClr val="FFDC36"/>
+              <a:srgbClr val="FFFFFF">
+                <a:alpha val="100000"/>
+              </a:srgbClr>
             </a:solidFill>
-            <a:ln w="9000" cap="rnd">
-              <a:noFill/>
+            <a:ln w="9525" cap="rnd">
+              <a:solidFill>
+                <a:srgbClr val="FFFFFF">
+                  <a:alpha val="100000"/>
+                </a:srgbClr>
+              </a:solidFill>
               <a:prstDash val="solid"/>
               <a:round/>
             </a:ln>
@@ -3156,21 +3146,89 @@
           <p:txBody>
             <a:bodyPr/>
             <a:lstStyle/>
-            <a:p>
-              <a:endParaRPr/>
-            </a:p>
+            <a:p/>
           </p:txBody>
         </p:sp>
         <p:sp>
           <p:nvSpPr>
-            <p:cNvPr id="15" name="tx15"/>
+            <p:cNvPr id="4" name="pt4"/>
             <p:cNvSpPr/>
             <p:nvPr/>
           </p:nvSpPr>
           <p:spPr>
             <a:xfrm>
-              <a:off x="8166818" y="2600116"/>
-              <a:ext cx="472196" cy="82728"/>
+              <a:off x="3286458" y="1088339"/>
+              <a:ext cx="415518" cy="415518"/>
+            </a:xfrm>
+            <a:prstGeom prst="ellipse">
+              <a:avLst/>
+            </a:prstGeom>
+            <a:solidFill>
+              <a:srgbClr val="000000">
+                <a:alpha val="100000"/>
+              </a:srgbClr>
+            </a:solidFill>
+            <a:ln w="9000" cap="rnd">
+              <a:solidFill>
+                <a:srgbClr val="000000">
+                  <a:alpha val="100000"/>
+                </a:srgbClr>
+              </a:solidFill>
+              <a:prstDash val="solid"/>
+              <a:round/>
+            </a:ln>
+          </p:spPr>
+          <p:txBody>
+            <a:bodyPr/>
+            <a:lstStyle/>
+            <a:p/>
+          </p:txBody>
+        </p:sp>
+        <p:sp>
+          <p:nvSpPr>
+            <p:cNvPr id="5" name="pt5"/>
+            <p:cNvSpPr/>
+            <p:nvPr/>
+          </p:nvSpPr>
+          <p:spPr>
+            <a:xfrm>
+              <a:off x="3421964" y="1603573"/>
+              <a:ext cx="144506" cy="144506"/>
+            </a:xfrm>
+            <a:prstGeom prst="ellipse">
+              <a:avLst/>
+            </a:prstGeom>
+            <a:solidFill>
+              <a:srgbClr val="000000">
+                <a:alpha val="100000"/>
+              </a:srgbClr>
+            </a:solidFill>
+            <a:ln w="9000" cap="rnd">
+              <a:solidFill>
+                <a:srgbClr val="000000">
+                  <a:alpha val="100000"/>
+                </a:srgbClr>
+              </a:solidFill>
+              <a:prstDash val="solid"/>
+              <a:round/>
+            </a:ln>
+          </p:spPr>
+          <p:txBody>
+            <a:bodyPr/>
+            <a:lstStyle/>
+            <a:p/>
+          </p:txBody>
+        </p:sp>
+        <p:sp>
+          <p:nvSpPr>
+            <p:cNvPr id="6" name="tx6"/>
+            <p:cNvSpPr/>
+            <p:nvPr/>
+          </p:nvSpPr>
+          <p:spPr>
+            <a:xfrm>
+              <a:off x="3833807" y="1633152"/>
+              <a:ext cx="130423" cy="82674"/>
             </a:xfrm>
             <a:prstGeom prst="rect">
               <a:avLst/>
@@ -3178,10 +3236,10 @@
             <a:noFill/>
           </p:spPr>
           <p:txBody>
-            <a:bodyPr wrap="none" lIns="0" tIns="0" rIns="0" bIns="0" anchor="ctr" anchorCtr="1"/>
+            <a:bodyPr lIns="0" rIns="0" tIns="0" bIns="0" anchorCtr="1" anchor="ctr" wrap="none"/>
             <a:lstStyle/>
             <a:p>
-              <a:pPr marL="0" marR="0" indent="0" algn="l">
+              <a:pPr algn="l" marL="0" marR="0" indent="0">
                 <a:lnSpc>
                   <a:spcPts val="880"/>
                 </a:lnSpc>
@@ -3202,20 +3260,20 @@
                   <a:latin typeface="Arial"/>
                   <a:cs typeface="Arial"/>
                 </a:rPr>
-                <a:t>Guideline</a:t>
+                <a:t>ref</a:t>
               </a:r>
             </a:p>
           </p:txBody>
         </p:sp>
         <p:sp>
           <p:nvSpPr>
-            <p:cNvPr id="17" name="tx17"/>
+            <p:cNvPr id="7" name="tx7"/>
             <p:cNvSpPr/>
             <p:nvPr/>
           </p:nvSpPr>
           <p:spPr>
             <a:xfrm>
-              <a:off x="7581995" y="2976601"/>
+              <a:off x="3224217" y="1867326"/>
               <a:ext cx="900751" cy="131105"/>
             </a:xfrm>
             <a:prstGeom prst="rect">
@@ -3224,10 +3282,10 @@
             <a:noFill/>
           </p:spPr>
           <p:txBody>
-            <a:bodyPr wrap="none" lIns="0" tIns="0" rIns="0" bIns="0" anchor="ctr" anchorCtr="1"/>
+            <a:bodyPr lIns="0" rIns="0" tIns="0" bIns="0" anchorCtr="1" anchor="ctr" wrap="none"/>
             <a:lstStyle/>
             <a:p>
-              <a:pPr marL="0" marR="0" indent="0" algn="l">
+              <a:pPr algn="l" marL="0" marR="0" indent="0">
                 <a:lnSpc>
                   <a:spcPts val="1100"/>
                 </a:lnSpc>
@@ -3239,7 +3297,7 @@
                 </a:spcAft>
               </a:pPr>
               <a:r>
-                <a:rPr sz="1100" dirty="0">
+                <a:rPr sz="1100">
                   <a:solidFill>
                     <a:srgbClr val="000000">
                       <a:alpha val="100000"/>
@@ -3255,13 +3313,13 @@
         </p:sp>
         <p:sp>
           <p:nvSpPr>
-            <p:cNvPr id="18" name="tx18"/>
+            <p:cNvPr id="8" name="tx8"/>
             <p:cNvSpPr/>
             <p:nvPr/>
           </p:nvSpPr>
           <p:spPr>
             <a:xfrm>
-              <a:off x="7581995" y="3155240"/>
+              <a:off x="3224217" y="2045965"/>
               <a:ext cx="1001569" cy="103342"/>
             </a:xfrm>
             <a:prstGeom prst="rect">
@@ -3270,10 +3328,10 @@
             <a:noFill/>
           </p:spPr>
           <p:txBody>
-            <a:bodyPr wrap="none" lIns="0" tIns="0" rIns="0" bIns="0" anchor="ctr" anchorCtr="1"/>
+            <a:bodyPr lIns="0" rIns="0" tIns="0" bIns="0" anchorCtr="1" anchor="ctr" wrap="none"/>
             <a:lstStyle/>
             <a:p>
-              <a:pPr marL="0" marR="0" indent="0" algn="l">
+              <a:pPr algn="l" marL="0" marR="0" indent="0">
                 <a:lnSpc>
                   <a:spcPts val="1100"/>
                 </a:lnSpc>
@@ -3301,13 +3359,13 @@
         </p:sp>
         <p:sp>
           <p:nvSpPr>
-            <p:cNvPr id="19" name="tx19"/>
+            <p:cNvPr id="9" name="tx9"/>
             <p:cNvSpPr/>
             <p:nvPr/>
           </p:nvSpPr>
           <p:spPr>
             <a:xfrm>
-              <a:off x="7581995" y="3307821"/>
+              <a:off x="3224217" y="2198546"/>
               <a:ext cx="745362" cy="101637"/>
             </a:xfrm>
             <a:prstGeom prst="rect">
@@ -3316,10 +3374,10 @@
             <a:noFill/>
           </p:spPr>
           <p:txBody>
-            <a:bodyPr wrap="none" lIns="0" tIns="0" rIns="0" bIns="0" anchor="ctr" anchorCtr="1"/>
+            <a:bodyPr lIns="0" rIns="0" tIns="0" bIns="0" anchorCtr="1" anchor="ctr" wrap="none"/>
             <a:lstStyle/>
             <a:p>
-              <a:pPr marL="0" marR="0" indent="0" algn="l">
+              <a:pPr algn="l" marL="0" marR="0" indent="0">
                 <a:lnSpc>
                   <a:spcPts val="1100"/>
                 </a:lnSpc>
@@ -3347,13 +3405,13 @@
         </p:sp>
         <p:sp>
           <p:nvSpPr>
-            <p:cNvPr id="20" name="tx20"/>
+            <p:cNvPr id="10" name="tx10"/>
             <p:cNvSpPr/>
             <p:nvPr/>
           </p:nvSpPr>
           <p:spPr>
             <a:xfrm>
-              <a:off x="7581995" y="3456924"/>
+              <a:off x="3224217" y="2347649"/>
               <a:ext cx="698909" cy="103410"/>
             </a:xfrm>
             <a:prstGeom prst="rect">
@@ -3362,10 +3420,10 @@
             <a:noFill/>
           </p:spPr>
           <p:txBody>
-            <a:bodyPr wrap="none" lIns="0" tIns="0" rIns="0" bIns="0" anchor="ctr" anchorCtr="1"/>
+            <a:bodyPr lIns="0" rIns="0" tIns="0" bIns="0" anchorCtr="1" anchor="ctr" wrap="none"/>
             <a:lstStyle/>
             <a:p>
-              <a:pPr marL="0" marR="0" indent="0" algn="l">
+              <a:pPr algn="l" marL="0" marR="0" indent="0">
                 <a:lnSpc>
                   <a:spcPts val="1100"/>
                 </a:lnSpc>
@@ -3393,13 +3451,48 @@
         </p:sp>
         <p:sp>
           <p:nvSpPr>
-            <p:cNvPr id="22" name="pt22"/>
+            <p:cNvPr id="11" name="pt11"/>
             <p:cNvSpPr/>
             <p:nvPr/>
           </p:nvSpPr>
           <p:spPr>
             <a:xfrm>
-              <a:off x="7619470" y="3629025"/>
+              <a:off x="3261692" y="2579561"/>
+              <a:ext cx="144506" cy="144506"/>
+            </a:xfrm>
+            <a:prstGeom prst="ellipse">
+              <a:avLst/>
+            </a:prstGeom>
+            <a:solidFill>
+              <a:srgbClr val="FFDC36">
+                <a:alpha val="100000"/>
+              </a:srgbClr>
+            </a:solidFill>
+            <a:ln w="9000" cap="rnd">
+              <a:solidFill>
+                <a:srgbClr val="FFDC36">
+                  <a:alpha val="100000"/>
+                </a:srgbClr>
+              </a:solidFill>
+              <a:prstDash val="solid"/>
+              <a:round/>
+            </a:ln>
+          </p:spPr>
+          <p:txBody>
+            <a:bodyPr/>
+            <a:lstStyle/>
+            <a:p/>
+          </p:txBody>
+        </p:sp>
+        <p:sp>
+          <p:nvSpPr>
+            <p:cNvPr id="12" name="pt12"/>
+            <p:cNvSpPr/>
+            <p:nvPr/>
+          </p:nvSpPr>
+          <p:spPr>
+            <a:xfrm>
+              <a:off x="3261692" y="2799017"/>
               <a:ext cx="144506" cy="144506"/>
             </a:xfrm>
             <a:prstGeom prst="ellipse">
@@ -3423,20 +3516,18 @@
           <p:txBody>
             <a:bodyPr/>
             <a:lstStyle/>
-            <a:p>
-              <a:endParaRPr/>
-            </a:p>
+            <a:p/>
           </p:txBody>
         </p:sp>
         <p:sp>
           <p:nvSpPr>
-            <p:cNvPr id="23" name="pt23"/>
+            <p:cNvPr id="13" name="pt13"/>
             <p:cNvSpPr/>
             <p:nvPr/>
           </p:nvSpPr>
           <p:spPr>
             <a:xfrm>
-              <a:off x="7619470" y="3848481"/>
+              <a:off x="3261692" y="3018473"/>
               <a:ext cx="144506" cy="144506"/>
             </a:xfrm>
             <a:prstGeom prst="ellipse">
@@ -3460,20 +3551,18 @@
           <p:txBody>
             <a:bodyPr/>
             <a:lstStyle/>
-            <a:p>
-              <a:endParaRPr/>
-            </a:p>
+            <a:p/>
           </p:txBody>
         </p:sp>
         <p:sp>
           <p:nvSpPr>
-            <p:cNvPr id="24" name="pt24"/>
+            <p:cNvPr id="14" name="pt14"/>
             <p:cNvSpPr/>
             <p:nvPr/>
           </p:nvSpPr>
           <p:spPr>
             <a:xfrm>
-              <a:off x="7619470" y="4067937"/>
+              <a:off x="3261692" y="3237929"/>
               <a:ext cx="144506" cy="144506"/>
             </a:xfrm>
             <a:prstGeom prst="ellipse">
@@ -3497,20 +3586,18 @@
           <p:txBody>
             <a:bodyPr/>
             <a:lstStyle/>
-            <a:p>
-              <a:endParaRPr/>
-            </a:p>
+            <a:p/>
           </p:txBody>
         </p:sp>
         <p:sp>
           <p:nvSpPr>
-            <p:cNvPr id="25" name="pt25"/>
+            <p:cNvPr id="15" name="pt15"/>
             <p:cNvSpPr/>
             <p:nvPr/>
           </p:nvSpPr>
           <p:spPr>
             <a:xfrm>
-              <a:off x="7619470" y="4287393"/>
+              <a:off x="3261692" y="3457385"/>
               <a:ext cx="144506" cy="144506"/>
             </a:xfrm>
             <a:prstGeom prst="ellipse">
@@ -3534,20 +3621,18 @@
           <p:txBody>
             <a:bodyPr/>
             <a:lstStyle/>
-            <a:p>
-              <a:endParaRPr/>
-            </a:p>
+            <a:p/>
           </p:txBody>
         </p:sp>
         <p:sp>
           <p:nvSpPr>
-            <p:cNvPr id="26" name="pt26"/>
+            <p:cNvPr id="16" name="pt16"/>
             <p:cNvSpPr/>
             <p:nvPr/>
           </p:nvSpPr>
           <p:spPr>
             <a:xfrm>
-              <a:off x="7619470" y="4506849"/>
+              <a:off x="3261692" y="3676841"/>
               <a:ext cx="144506" cy="144506"/>
             </a:xfrm>
             <a:prstGeom prst="ellipse">
@@ -3571,20 +3656,18 @@
           <p:txBody>
             <a:bodyPr/>
             <a:lstStyle/>
-            <a:p>
-              <a:endParaRPr/>
-            </a:p>
+            <a:p/>
           </p:txBody>
         </p:sp>
         <p:sp>
           <p:nvSpPr>
-            <p:cNvPr id="27" name="pt27"/>
+            <p:cNvPr id="17" name="pt17"/>
             <p:cNvSpPr/>
             <p:nvPr/>
           </p:nvSpPr>
           <p:spPr>
             <a:xfrm>
-              <a:off x="7619470" y="4726305"/>
+              <a:off x="3261692" y="3896297"/>
               <a:ext cx="144506" cy="144506"/>
             </a:xfrm>
             <a:prstGeom prst="ellipse">
@@ -3608,94 +3691,64 @@
           <p:txBody>
             <a:bodyPr/>
             <a:lstStyle/>
+            <a:p/>
+          </p:txBody>
+        </p:sp>
+        <p:sp>
+          <p:nvSpPr>
+            <p:cNvPr id="18" name="tx18"/>
+            <p:cNvSpPr/>
+            <p:nvPr/>
+          </p:nvSpPr>
+          <p:spPr>
+            <a:xfrm>
+              <a:off x="3513263" y="2610122"/>
+              <a:ext cx="62155" cy="81691"/>
+            </a:xfrm>
+            <a:prstGeom prst="rect">
+              <a:avLst/>
+            </a:prstGeom>
+            <a:noFill/>
+          </p:spPr>
+          <p:txBody>
+            <a:bodyPr lIns="0" rIns="0" tIns="0" bIns="0" anchorCtr="1" anchor="ctr" wrap="none"/>
+            <a:lstStyle/>
             <a:p>
-              <a:endParaRPr/>
+              <a:pPr algn="l" marL="0" marR="0" indent="0">
+                <a:lnSpc>
+                  <a:spcPts val="880"/>
+                </a:lnSpc>
+                <a:spcBef>
+                  <a:spcPts val="0"/>
+                </a:spcBef>
+                <a:spcAft>
+                  <a:spcPts val="0"/>
+                </a:spcAft>
+              </a:pPr>
+              <a:r>
+                <a:rPr sz="880">
+                  <a:solidFill>
+                    <a:srgbClr val="000000">
+                      <a:alpha val="100000"/>
+                    </a:srgbClr>
+                  </a:solidFill>
+                  <a:latin typeface="Arial"/>
+                  <a:cs typeface="Arial"/>
+                </a:rPr>
+                <a:t>0</a:t>
+              </a:r>
             </a:p>
           </p:txBody>
         </p:sp>
         <p:sp>
           <p:nvSpPr>
-            <p:cNvPr id="28" name="pt28"/>
+            <p:cNvPr id="19" name="tx19"/>
             <p:cNvSpPr/>
             <p:nvPr/>
           </p:nvSpPr>
           <p:spPr>
             <a:xfrm>
-              <a:off x="7619470" y="4945761"/>
-              <a:ext cx="144506" cy="144506"/>
-            </a:xfrm>
-            <a:prstGeom prst="ellipse">
-              <a:avLst/>
-            </a:prstGeom>
-            <a:solidFill>
-              <a:srgbClr val="385A4F">
-                <a:alpha val="100000"/>
-              </a:srgbClr>
-            </a:solidFill>
-            <a:ln w="9000" cap="rnd">
-              <a:solidFill>
-                <a:srgbClr val="385A4F">
-                  <a:alpha val="100000"/>
-                </a:srgbClr>
-              </a:solidFill>
-              <a:prstDash val="solid"/>
-              <a:round/>
-            </a:ln>
-          </p:spPr>
-          <p:txBody>
-            <a:bodyPr/>
-            <a:lstStyle/>
-            <a:p>
-              <a:endParaRPr/>
-            </a:p>
-          </p:txBody>
-        </p:sp>
-        <p:sp>
-          <p:nvSpPr>
-            <p:cNvPr id="29" name="pt29"/>
-            <p:cNvSpPr/>
-            <p:nvPr/>
-          </p:nvSpPr>
-          <p:spPr>
-            <a:xfrm>
-              <a:off x="7619470" y="5165217"/>
-              <a:ext cx="144506" cy="144506"/>
-            </a:xfrm>
-            <a:prstGeom prst="ellipse">
-              <a:avLst/>
-            </a:prstGeom>
-            <a:solidFill>
-              <a:srgbClr val="FFB948">
-                <a:alpha val="100000"/>
-              </a:srgbClr>
-            </a:solidFill>
-            <a:ln w="9000" cap="rnd">
-              <a:solidFill>
-                <a:srgbClr val="FFB948">
-                  <a:alpha val="100000"/>
-                </a:srgbClr>
-              </a:solidFill>
-              <a:prstDash val="solid"/>
-              <a:round/>
-            </a:ln>
-          </p:spPr>
-          <p:txBody>
-            <a:bodyPr/>
-            <a:lstStyle/>
-            <a:p>
-              <a:endParaRPr/>
-            </a:p>
-          </p:txBody>
-        </p:sp>
-        <p:sp>
-          <p:nvSpPr>
-            <p:cNvPr id="31" name="tx31"/>
-            <p:cNvSpPr/>
-            <p:nvPr/>
-          </p:nvSpPr>
-          <p:spPr>
-            <a:xfrm>
-              <a:off x="7871040" y="3660951"/>
+              <a:off x="3513263" y="2830943"/>
               <a:ext cx="62155" cy="80327"/>
             </a:xfrm>
             <a:prstGeom prst="rect">
@@ -3704,10 +3757,10 @@
             <a:noFill/>
           </p:spPr>
           <p:txBody>
-            <a:bodyPr wrap="none" lIns="0" tIns="0" rIns="0" bIns="0" anchor="ctr" anchorCtr="1"/>
+            <a:bodyPr lIns="0" rIns="0" tIns="0" bIns="0" anchorCtr="1" anchor="ctr" wrap="none"/>
             <a:lstStyle/>
             <a:p>
-              <a:pPr marL="0" marR="0" indent="0" algn="l">
+              <a:pPr algn="l" marL="0" marR="0" indent="0">
                 <a:lnSpc>
                   <a:spcPts val="880"/>
                 </a:lnSpc>
@@ -3735,13 +3788,13 @@
         </p:sp>
         <p:sp>
           <p:nvSpPr>
-            <p:cNvPr id="32" name="tx32"/>
+            <p:cNvPr id="20" name="tx20"/>
             <p:cNvSpPr/>
             <p:nvPr/>
           </p:nvSpPr>
           <p:spPr>
             <a:xfrm>
-              <a:off x="7871040" y="3880407"/>
+              <a:off x="3513263" y="3050399"/>
               <a:ext cx="62155" cy="80327"/>
             </a:xfrm>
             <a:prstGeom prst="rect">
@@ -3750,10 +3803,10 @@
             <a:noFill/>
           </p:spPr>
           <p:txBody>
-            <a:bodyPr wrap="none" lIns="0" tIns="0" rIns="0" bIns="0" anchor="ctr" anchorCtr="1"/>
+            <a:bodyPr lIns="0" rIns="0" tIns="0" bIns="0" anchorCtr="1" anchor="ctr" wrap="none"/>
             <a:lstStyle/>
             <a:p>
-              <a:pPr marL="0" marR="0" indent="0" algn="l">
+              <a:pPr algn="l" marL="0" marR="0" indent="0">
                 <a:lnSpc>
                   <a:spcPts val="880"/>
                 </a:lnSpc>
@@ -3781,13 +3834,13 @@
         </p:sp>
         <p:sp>
           <p:nvSpPr>
-            <p:cNvPr id="33" name="tx33"/>
+            <p:cNvPr id="21" name="tx21"/>
             <p:cNvSpPr/>
             <p:nvPr/>
           </p:nvSpPr>
           <p:spPr>
             <a:xfrm>
-              <a:off x="7871040" y="4098444"/>
+              <a:off x="3513263" y="3268436"/>
               <a:ext cx="62155" cy="81746"/>
             </a:xfrm>
             <a:prstGeom prst="rect">
@@ -3796,10 +3849,10 @@
             <a:noFill/>
           </p:spPr>
           <p:txBody>
-            <a:bodyPr wrap="none" lIns="0" tIns="0" rIns="0" bIns="0" anchor="ctr" anchorCtr="1"/>
+            <a:bodyPr lIns="0" rIns="0" tIns="0" bIns="0" anchorCtr="1" anchor="ctr" wrap="none"/>
             <a:lstStyle/>
             <a:p>
-              <a:pPr marL="0" marR="0" indent="0" algn="l">
+              <a:pPr algn="l" marL="0" marR="0" indent="0">
                 <a:lnSpc>
                   <a:spcPts val="880"/>
                 </a:lnSpc>
@@ -3827,13 +3880,13 @@
         </p:sp>
         <p:sp>
           <p:nvSpPr>
-            <p:cNvPr id="34" name="tx34"/>
+            <p:cNvPr id="22" name="tx22"/>
             <p:cNvSpPr/>
             <p:nvPr/>
           </p:nvSpPr>
           <p:spPr>
             <a:xfrm>
-              <a:off x="7871040" y="4319646"/>
+              <a:off x="3513263" y="3489638"/>
               <a:ext cx="62155" cy="80000"/>
             </a:xfrm>
             <a:prstGeom prst="rect">
@@ -3842,10 +3895,10 @@
             <a:noFill/>
           </p:spPr>
           <p:txBody>
-            <a:bodyPr wrap="none" lIns="0" tIns="0" rIns="0" bIns="0" anchor="ctr" anchorCtr="1"/>
+            <a:bodyPr lIns="0" rIns="0" tIns="0" bIns="0" anchorCtr="1" anchor="ctr" wrap="none"/>
             <a:lstStyle/>
             <a:p>
-              <a:pPr marL="0" marR="0" indent="0" algn="l">
+              <a:pPr algn="l" marL="0" marR="0" indent="0">
                 <a:lnSpc>
                   <a:spcPts val="880"/>
                 </a:lnSpc>
@@ -3873,13 +3926,13 @@
         </p:sp>
         <p:sp>
           <p:nvSpPr>
-            <p:cNvPr id="35" name="tx35"/>
+            <p:cNvPr id="23" name="tx23"/>
             <p:cNvSpPr/>
             <p:nvPr/>
           </p:nvSpPr>
           <p:spPr>
             <a:xfrm>
-              <a:off x="7871040" y="4538830"/>
+              <a:off x="3513263" y="3708821"/>
               <a:ext cx="62155" cy="80272"/>
             </a:xfrm>
             <a:prstGeom prst="rect">
@@ -3888,10 +3941,10 @@
             <a:noFill/>
           </p:spPr>
           <p:txBody>
-            <a:bodyPr wrap="none" lIns="0" tIns="0" rIns="0" bIns="0" anchor="ctr" anchorCtr="1"/>
+            <a:bodyPr lIns="0" rIns="0" tIns="0" bIns="0" anchorCtr="1" anchor="ctr" wrap="none"/>
             <a:lstStyle/>
             <a:p>
-              <a:pPr marL="0" marR="0" indent="0" algn="l">
+              <a:pPr algn="l" marL="0" marR="0" indent="0">
                 <a:lnSpc>
                   <a:spcPts val="880"/>
                 </a:lnSpc>
@@ -3913,144 +3966,6 @@
                   <a:cs typeface="Arial"/>
                 </a:rPr>
                 <a:t>5</a:t>
-              </a:r>
-            </a:p>
-          </p:txBody>
-        </p:sp>
-        <p:sp>
-          <p:nvSpPr>
-            <p:cNvPr id="36" name="tx36"/>
-            <p:cNvSpPr/>
-            <p:nvPr/>
-          </p:nvSpPr>
-          <p:spPr>
-            <a:xfrm>
-              <a:off x="7871040" y="4756867"/>
-              <a:ext cx="62155" cy="81691"/>
-            </a:xfrm>
-            <a:prstGeom prst="rect">
-              <a:avLst/>
-            </a:prstGeom>
-            <a:noFill/>
-          </p:spPr>
-          <p:txBody>
-            <a:bodyPr wrap="none" lIns="0" tIns="0" rIns="0" bIns="0" anchor="ctr" anchorCtr="1"/>
-            <a:lstStyle/>
-            <a:p>
-              <a:pPr marL="0" marR="0" indent="0" algn="l">
-                <a:lnSpc>
-                  <a:spcPts val="880"/>
-                </a:lnSpc>
-                <a:spcBef>
-                  <a:spcPts val="0"/>
-                </a:spcBef>
-                <a:spcAft>
-                  <a:spcPts val="0"/>
-                </a:spcAft>
-              </a:pPr>
-              <a:r>
-                <a:rPr sz="880">
-                  <a:solidFill>
-                    <a:srgbClr val="000000">
-                      <a:alpha val="100000"/>
-                    </a:srgbClr>
-                  </a:solidFill>
-                  <a:latin typeface="Arial"/>
-                  <a:cs typeface="Arial"/>
-                </a:rPr>
-                <a:t>6</a:t>
-              </a:r>
-            </a:p>
-          </p:txBody>
-        </p:sp>
-        <p:sp>
-          <p:nvSpPr>
-            <p:cNvPr id="37" name="tx37"/>
-            <p:cNvSpPr/>
-            <p:nvPr/>
-          </p:nvSpPr>
-          <p:spPr>
-            <a:xfrm>
-              <a:off x="7871040" y="4979051"/>
-              <a:ext cx="62155" cy="78963"/>
-            </a:xfrm>
-            <a:prstGeom prst="rect">
-              <a:avLst/>
-            </a:prstGeom>
-            <a:noFill/>
-          </p:spPr>
-          <p:txBody>
-            <a:bodyPr wrap="none" lIns="0" tIns="0" rIns="0" bIns="0" anchor="ctr" anchorCtr="1"/>
-            <a:lstStyle/>
-            <a:p>
-              <a:pPr marL="0" marR="0" indent="0" algn="l">
-                <a:lnSpc>
-                  <a:spcPts val="880"/>
-                </a:lnSpc>
-                <a:spcBef>
-                  <a:spcPts val="0"/>
-                </a:spcBef>
-                <a:spcAft>
-                  <a:spcPts val="0"/>
-                </a:spcAft>
-              </a:pPr>
-              <a:r>
-                <a:rPr sz="880">
-                  <a:solidFill>
-                    <a:srgbClr val="000000">
-                      <a:alpha val="100000"/>
-                    </a:srgbClr>
-                  </a:solidFill>
-                  <a:latin typeface="Arial"/>
-                  <a:cs typeface="Arial"/>
-                </a:rPr>
-                <a:t>7</a:t>
-              </a:r>
-            </a:p>
-          </p:txBody>
-        </p:sp>
-        <p:sp>
-          <p:nvSpPr>
-            <p:cNvPr id="38" name="tx38"/>
-            <p:cNvSpPr/>
-            <p:nvPr/>
-          </p:nvSpPr>
-          <p:spPr>
-            <a:xfrm>
-              <a:off x="7871040" y="5195779"/>
-              <a:ext cx="62155" cy="81691"/>
-            </a:xfrm>
-            <a:prstGeom prst="rect">
-              <a:avLst/>
-            </a:prstGeom>
-            <a:noFill/>
-          </p:spPr>
-          <p:txBody>
-            <a:bodyPr wrap="none" lIns="0" tIns="0" rIns="0" bIns="0" anchor="ctr" anchorCtr="1"/>
-            <a:lstStyle/>
-            <a:p>
-              <a:pPr marL="0" marR="0" indent="0" algn="l">
-                <a:lnSpc>
-                  <a:spcPts val="880"/>
-                </a:lnSpc>
-                <a:spcBef>
-                  <a:spcPts val="0"/>
-                </a:spcBef>
-                <a:spcAft>
-                  <a:spcPts val="0"/>
-                </a:spcAft>
-              </a:pPr>
-              <a:r>
-                <a:rPr sz="880">
-                  <a:solidFill>
-                    <a:srgbClr val="000000">
-                      <a:alpha val="100000"/>
-                    </a:srgbClr>
-                  </a:solidFill>
-                  <a:latin typeface="Arial"/>
-                  <a:cs typeface="Arial"/>
-                </a:rPr>
-                <a:t>8</a:t>
               </a:r>
             </a:p>
           </p:txBody>

--- a/outputs/scale.pptx
+++ b/outputs/scale.pptx
@@ -3108,10 +3108,10 @@
         </p:nvGrpSpPr>
         <p:grpSpPr>
           <a:xfrm>
-            <a:off x="1471613" y="1408112"/>
-            <a:ext cx="4619625" cy="2514600"/>
-            <a:chOff x="1471613" y="1408112"/>
-            <a:chExt cx="4619625" cy="2514600"/>
+            <a:off x="1471613" y="1374775"/>
+            <a:ext cx="4619625" cy="2581275"/>
+            <a:chOff x="1471613" y="1374775"/>
+            <a:chExt cx="4619625" cy="2581275"/>
           </a:xfrm>
         </p:grpSpPr>
         <p:sp>
@@ -3122,8 +3122,8 @@
           </p:nvSpPr>
           <p:spPr>
             <a:xfrm>
-              <a:off x="1471612" y="1408112"/>
-              <a:ext cx="4619625" cy="2514600"/>
+              <a:off x="1471612" y="1374775"/>
+              <a:ext cx="4619625" cy="2581274"/>
             </a:xfrm>
             <a:prstGeom prst="rect">
               <a:avLst/>
@@ -3157,7 +3157,322 @@
           </p:nvSpPr>
           <p:spPr>
             <a:xfrm>
-              <a:off x="3286458" y="1088339"/>
+              <a:off x="1421391" y="3630959"/>
+              <a:ext cx="415518" cy="415518"/>
+            </a:xfrm>
+            <a:prstGeom prst="ellipse">
+              <a:avLst/>
+            </a:prstGeom>
+            <a:solidFill>
+              <a:srgbClr val="FFDC36">
+                <a:alpha val="100000"/>
+              </a:srgbClr>
+            </a:solidFill>
+            <a:ln w="9000" cap="rnd">
+              <a:solidFill>
+                <a:srgbClr val="FFDC36">
+                  <a:alpha val="100000"/>
+                </a:srgbClr>
+              </a:solidFill>
+              <a:prstDash val="solid"/>
+              <a:round/>
+            </a:ln>
+          </p:spPr>
+          <p:txBody>
+            <a:bodyPr/>
+            <a:lstStyle/>
+            <a:p/>
+          </p:txBody>
+        </p:sp>
+        <p:sp>
+          <p:nvSpPr>
+            <p:cNvPr id="5" name="pt5"/>
+            <p:cNvSpPr/>
+            <p:nvPr/>
+          </p:nvSpPr>
+          <p:spPr>
+            <a:xfrm>
+              <a:off x="1950742" y="3473139"/>
+              <a:ext cx="144506" cy="144506"/>
+            </a:xfrm>
+            <a:prstGeom prst="ellipse">
+              <a:avLst/>
+            </a:prstGeom>
+            <a:solidFill>
+              <a:srgbClr val="00843D">
+                <a:alpha val="100000"/>
+              </a:srgbClr>
+            </a:solidFill>
+            <a:ln w="9000" cap="rnd">
+              <a:solidFill>
+                <a:srgbClr val="00843D">
+                  <a:alpha val="100000"/>
+                </a:srgbClr>
+              </a:solidFill>
+              <a:prstDash val="solid"/>
+              <a:round/>
+            </a:ln>
+          </p:spPr>
+          <p:txBody>
+            <a:bodyPr/>
+            <a:lstStyle/>
+            <a:p/>
+          </p:txBody>
+        </p:sp>
+        <p:sp>
+          <p:nvSpPr>
+            <p:cNvPr id="6" name="pt6"/>
+            <p:cNvSpPr/>
+            <p:nvPr/>
+          </p:nvSpPr>
+          <p:spPr>
+            <a:xfrm>
+              <a:off x="2344588" y="3179812"/>
+              <a:ext cx="144506" cy="144506"/>
+            </a:xfrm>
+            <a:prstGeom prst="ellipse">
+              <a:avLst/>
+            </a:prstGeom>
+            <a:solidFill>
+              <a:srgbClr val="00B5D1">
+                <a:alpha val="100000"/>
+              </a:srgbClr>
+            </a:solidFill>
+            <a:ln w="9000" cap="rnd">
+              <a:solidFill>
+                <a:srgbClr val="00B5D1">
+                  <a:alpha val="100000"/>
+                </a:srgbClr>
+              </a:solidFill>
+              <a:prstDash val="solid"/>
+              <a:round/>
+            </a:ln>
+          </p:spPr>
+          <p:txBody>
+            <a:bodyPr/>
+            <a:lstStyle/>
+            <a:p/>
+          </p:txBody>
+        </p:sp>
+        <p:sp>
+          <p:nvSpPr>
+            <p:cNvPr id="7" name="pt7"/>
+            <p:cNvSpPr/>
+            <p:nvPr/>
+          </p:nvSpPr>
+          <p:spPr>
+            <a:xfrm>
+              <a:off x="2738433" y="2886486"/>
+              <a:ext cx="144506" cy="144506"/>
+            </a:xfrm>
+            <a:prstGeom prst="ellipse">
+              <a:avLst/>
+            </a:prstGeom>
+            <a:solidFill>
+              <a:srgbClr val="B06C96">
+                <a:alpha val="100000"/>
+              </a:srgbClr>
+            </a:solidFill>
+            <a:ln w="9000" cap="rnd">
+              <a:solidFill>
+                <a:srgbClr val="B06C96">
+                  <a:alpha val="100000"/>
+                </a:srgbClr>
+              </a:solidFill>
+              <a:prstDash val="solid"/>
+              <a:round/>
+            </a:ln>
+          </p:spPr>
+          <p:txBody>
+            <a:bodyPr/>
+            <a:lstStyle/>
+            <a:p/>
+          </p:txBody>
+        </p:sp>
+        <p:sp>
+          <p:nvSpPr>
+            <p:cNvPr id="8" name="pt8"/>
+            <p:cNvSpPr/>
+            <p:nvPr/>
+          </p:nvSpPr>
+          <p:spPr>
+            <a:xfrm>
+              <a:off x="3132278" y="2593159"/>
+              <a:ext cx="144506" cy="144506"/>
+            </a:xfrm>
+            <a:prstGeom prst="ellipse">
+              <a:avLst/>
+            </a:prstGeom>
+            <a:solidFill>
+              <a:srgbClr val="003865">
+                <a:alpha val="100000"/>
+              </a:srgbClr>
+            </a:solidFill>
+            <a:ln w="9000" cap="rnd">
+              <a:solidFill>
+                <a:srgbClr val="003865">
+                  <a:alpha val="100000"/>
+                </a:srgbClr>
+              </a:solidFill>
+              <a:prstDash val="solid"/>
+              <a:round/>
+            </a:ln>
+          </p:spPr>
+          <p:txBody>
+            <a:bodyPr/>
+            <a:lstStyle/>
+            <a:p/>
+          </p:txBody>
+        </p:sp>
+        <p:sp>
+          <p:nvSpPr>
+            <p:cNvPr id="9" name="pt9"/>
+            <p:cNvSpPr/>
+            <p:nvPr/>
+          </p:nvSpPr>
+          <p:spPr>
+            <a:xfrm>
+              <a:off x="3526124" y="2299832"/>
+              <a:ext cx="144506" cy="144506"/>
+            </a:xfrm>
+            <a:prstGeom prst="ellipse">
+              <a:avLst/>
+            </a:prstGeom>
+            <a:solidFill>
+              <a:srgbClr val="BE4D00">
+                <a:alpha val="100000"/>
+              </a:srgbClr>
+            </a:solidFill>
+            <a:ln w="9000" cap="rnd">
+              <a:solidFill>
+                <a:srgbClr val="BE4D00">
+                  <a:alpha val="100000"/>
+                </a:srgbClr>
+              </a:solidFill>
+              <a:prstDash val="solid"/>
+              <a:round/>
+            </a:ln>
+          </p:spPr>
+          <p:txBody>
+            <a:bodyPr/>
+            <a:lstStyle/>
+            <a:p/>
+          </p:txBody>
+        </p:sp>
+        <p:sp>
+          <p:nvSpPr>
+            <p:cNvPr id="10" name="pt10"/>
+            <p:cNvSpPr/>
+            <p:nvPr/>
+          </p:nvSpPr>
+          <p:spPr>
+            <a:xfrm>
+              <a:off x="3919969" y="2006505"/>
+              <a:ext cx="144506" cy="144506"/>
+            </a:xfrm>
+            <a:prstGeom prst="ellipse">
+              <a:avLst/>
+            </a:prstGeom>
+            <a:solidFill>
+              <a:srgbClr val="951272">
+                <a:alpha val="100000"/>
+              </a:srgbClr>
+            </a:solidFill>
+            <a:ln w="9000" cap="rnd">
+              <a:solidFill>
+                <a:srgbClr val="951272">
+                  <a:alpha val="100000"/>
+                </a:srgbClr>
+              </a:solidFill>
+              <a:prstDash val="solid"/>
+              <a:round/>
+            </a:ln>
+          </p:spPr>
+          <p:txBody>
+            <a:bodyPr/>
+            <a:lstStyle/>
+            <a:p/>
+          </p:txBody>
+        </p:sp>
+        <p:sp>
+          <p:nvSpPr>
+            <p:cNvPr id="11" name="pt11"/>
+            <p:cNvSpPr/>
+            <p:nvPr/>
+          </p:nvSpPr>
+          <p:spPr>
+            <a:xfrm>
+              <a:off x="4313814" y="1713179"/>
+              <a:ext cx="144506" cy="144506"/>
+            </a:xfrm>
+            <a:prstGeom prst="ellipse">
+              <a:avLst/>
+            </a:prstGeom>
+            <a:solidFill>
+              <a:srgbClr val="385A4F">
+                <a:alpha val="100000"/>
+              </a:srgbClr>
+            </a:solidFill>
+            <a:ln w="9000" cap="rnd">
+              <a:solidFill>
+                <a:srgbClr val="385A4F">
+                  <a:alpha val="100000"/>
+                </a:srgbClr>
+              </a:solidFill>
+              <a:prstDash val="solid"/>
+              <a:round/>
+            </a:ln>
+          </p:spPr>
+          <p:txBody>
+            <a:bodyPr/>
+            <a:lstStyle/>
+            <a:p/>
+          </p:txBody>
+        </p:sp>
+        <p:sp>
+          <p:nvSpPr>
+            <p:cNvPr id="12" name="pt12"/>
+            <p:cNvSpPr/>
+            <p:nvPr/>
+          </p:nvSpPr>
+          <p:spPr>
+            <a:xfrm>
+              <a:off x="4707660" y="1419852"/>
+              <a:ext cx="144506" cy="144506"/>
+            </a:xfrm>
+            <a:prstGeom prst="ellipse">
+              <a:avLst/>
+            </a:prstGeom>
+            <a:solidFill>
+              <a:srgbClr val="FFB948">
+                <a:alpha val="100000"/>
+              </a:srgbClr>
+            </a:solidFill>
+            <a:ln w="9000" cap="rnd">
+              <a:solidFill>
+                <a:srgbClr val="FFB948">
+                  <a:alpha val="100000"/>
+                </a:srgbClr>
+              </a:solidFill>
+              <a:prstDash val="solid"/>
+              <a:round/>
+            </a:ln>
+          </p:spPr>
+          <p:txBody>
+            <a:bodyPr/>
+            <a:lstStyle/>
+            <a:p/>
+          </p:txBody>
+        </p:sp>
+        <p:sp>
+          <p:nvSpPr>
+            <p:cNvPr id="13" name="pt13"/>
+            <p:cNvSpPr/>
+            <p:nvPr/>
+          </p:nvSpPr>
+          <p:spPr>
+            <a:xfrm>
+              <a:off x="5071692" y="1088339"/>
               <a:ext cx="415518" cy="415518"/>
             </a:xfrm>
             <a:prstGeom prst="ellipse">
@@ -3186,13 +3501,13 @@
         </p:sp>
         <p:sp>
           <p:nvSpPr>
-            <p:cNvPr id="5" name="pt5"/>
+            <p:cNvPr id="14" name="pt14"/>
             <p:cNvSpPr/>
             <p:nvPr/>
           </p:nvSpPr>
           <p:spPr>
             <a:xfrm>
-              <a:off x="3421964" y="1603573"/>
+              <a:off x="5207198" y="1603573"/>
               <a:ext cx="144506" cy="144506"/>
             </a:xfrm>
             <a:prstGeom prst="ellipse">
@@ -3221,13 +3536,13 @@
         </p:sp>
         <p:sp>
           <p:nvSpPr>
-            <p:cNvPr id="6" name="tx6"/>
+            <p:cNvPr id="15" name="tx15"/>
             <p:cNvSpPr/>
             <p:nvPr/>
           </p:nvSpPr>
           <p:spPr>
             <a:xfrm>
-              <a:off x="3833807" y="1633152"/>
+              <a:off x="5619040" y="1633152"/>
               <a:ext cx="130423" cy="82674"/>
             </a:xfrm>
             <a:prstGeom prst="rect">
@@ -3267,13 +3582,13 @@
         </p:sp>
         <p:sp>
           <p:nvSpPr>
-            <p:cNvPr id="7" name="tx7"/>
+            <p:cNvPr id="16" name="tx16"/>
             <p:cNvSpPr/>
             <p:nvPr/>
           </p:nvSpPr>
           <p:spPr>
             <a:xfrm>
-              <a:off x="3224217" y="1867326"/>
+              <a:off x="5009451" y="1860589"/>
               <a:ext cx="900751" cy="131105"/>
             </a:xfrm>
             <a:prstGeom prst="rect">
@@ -3313,13 +3628,13 @@
         </p:sp>
         <p:sp>
           <p:nvSpPr>
-            <p:cNvPr id="8" name="tx8"/>
+            <p:cNvPr id="17" name="tx17"/>
             <p:cNvSpPr/>
             <p:nvPr/>
           </p:nvSpPr>
           <p:spPr>
             <a:xfrm>
-              <a:off x="3224217" y="2045965"/>
+              <a:off x="5009451" y="2039227"/>
               <a:ext cx="1001569" cy="103342"/>
             </a:xfrm>
             <a:prstGeom prst="rect">
@@ -3359,13 +3674,13 @@
         </p:sp>
         <p:sp>
           <p:nvSpPr>
-            <p:cNvPr id="9" name="tx9"/>
+            <p:cNvPr id="18" name="tx18"/>
             <p:cNvSpPr/>
             <p:nvPr/>
           </p:nvSpPr>
           <p:spPr>
             <a:xfrm>
-              <a:off x="3224217" y="2198546"/>
+              <a:off x="5009451" y="2191809"/>
               <a:ext cx="745362" cy="101637"/>
             </a:xfrm>
             <a:prstGeom prst="rect">
@@ -3405,13 +3720,13 @@
         </p:sp>
         <p:sp>
           <p:nvSpPr>
-            <p:cNvPr id="10" name="tx10"/>
+            <p:cNvPr id="19" name="tx19"/>
             <p:cNvSpPr/>
             <p:nvPr/>
           </p:nvSpPr>
           <p:spPr>
             <a:xfrm>
-              <a:off x="3224217" y="2347649"/>
+              <a:off x="5009451" y="2340911"/>
               <a:ext cx="698909" cy="103410"/>
             </a:xfrm>
             <a:prstGeom prst="rect">
@@ -3451,13 +3766,13 @@
         </p:sp>
         <p:sp>
           <p:nvSpPr>
-            <p:cNvPr id="11" name="pt11"/>
+            <p:cNvPr id="20" name="pt20"/>
             <p:cNvSpPr/>
             <p:nvPr/>
           </p:nvSpPr>
           <p:spPr>
             <a:xfrm>
-              <a:off x="3261692" y="2579561"/>
+              <a:off x="5046926" y="2566086"/>
               <a:ext cx="144506" cy="144506"/>
             </a:xfrm>
             <a:prstGeom prst="ellipse">
@@ -3486,13 +3801,13 @@
         </p:sp>
         <p:sp>
           <p:nvSpPr>
-            <p:cNvPr id="12" name="pt12"/>
+            <p:cNvPr id="21" name="pt21"/>
             <p:cNvSpPr/>
             <p:nvPr/>
           </p:nvSpPr>
           <p:spPr>
             <a:xfrm>
-              <a:off x="3261692" y="2799017"/>
+              <a:off x="5046926" y="2785542"/>
               <a:ext cx="144506" cy="144506"/>
             </a:xfrm>
             <a:prstGeom prst="ellipse">
@@ -3521,13 +3836,13 @@
         </p:sp>
         <p:sp>
           <p:nvSpPr>
-            <p:cNvPr id="13" name="pt13"/>
+            <p:cNvPr id="22" name="pt22"/>
             <p:cNvSpPr/>
             <p:nvPr/>
           </p:nvSpPr>
           <p:spPr>
             <a:xfrm>
-              <a:off x="3261692" y="3018473"/>
+              <a:off x="5046926" y="3004998"/>
               <a:ext cx="144506" cy="144506"/>
             </a:xfrm>
             <a:prstGeom prst="ellipse">
@@ -3556,13 +3871,13 @@
         </p:sp>
         <p:sp>
           <p:nvSpPr>
-            <p:cNvPr id="14" name="pt14"/>
+            <p:cNvPr id="23" name="pt23"/>
             <p:cNvSpPr/>
             <p:nvPr/>
           </p:nvSpPr>
           <p:spPr>
             <a:xfrm>
-              <a:off x="3261692" y="3237929"/>
+              <a:off x="5046926" y="3224454"/>
               <a:ext cx="144506" cy="144506"/>
             </a:xfrm>
             <a:prstGeom prst="ellipse">
@@ -3591,13 +3906,13 @@
         </p:sp>
         <p:sp>
           <p:nvSpPr>
-            <p:cNvPr id="15" name="pt15"/>
+            <p:cNvPr id="24" name="pt24"/>
             <p:cNvSpPr/>
             <p:nvPr/>
           </p:nvSpPr>
           <p:spPr>
             <a:xfrm>
-              <a:off x="3261692" y="3457385"/>
+              <a:off x="5046926" y="3443910"/>
               <a:ext cx="144506" cy="144506"/>
             </a:xfrm>
             <a:prstGeom prst="ellipse">
@@ -3626,13 +3941,13 @@
         </p:sp>
         <p:sp>
           <p:nvSpPr>
-            <p:cNvPr id="16" name="pt16"/>
+            <p:cNvPr id="25" name="pt25"/>
             <p:cNvSpPr/>
             <p:nvPr/>
           </p:nvSpPr>
           <p:spPr>
             <a:xfrm>
-              <a:off x="3261692" y="3676841"/>
+              <a:off x="5046926" y="3663366"/>
               <a:ext cx="144506" cy="144506"/>
             </a:xfrm>
             <a:prstGeom prst="ellipse">
@@ -3661,13 +3976,13 @@
         </p:sp>
         <p:sp>
           <p:nvSpPr>
-            <p:cNvPr id="17" name="pt17"/>
+            <p:cNvPr id="26" name="pt26"/>
             <p:cNvSpPr/>
             <p:nvPr/>
           </p:nvSpPr>
           <p:spPr>
             <a:xfrm>
-              <a:off x="3261692" y="3896297"/>
+              <a:off x="5046926" y="3882822"/>
               <a:ext cx="144506" cy="144506"/>
             </a:xfrm>
             <a:prstGeom prst="ellipse">
@@ -3696,13 +4011,13 @@
         </p:sp>
         <p:sp>
           <p:nvSpPr>
-            <p:cNvPr id="18" name="tx18"/>
+            <p:cNvPr id="27" name="tx27"/>
             <p:cNvSpPr/>
             <p:nvPr/>
           </p:nvSpPr>
           <p:spPr>
             <a:xfrm>
-              <a:off x="3513263" y="2610122"/>
+              <a:off x="5298496" y="2596647"/>
               <a:ext cx="62155" cy="81691"/>
             </a:xfrm>
             <a:prstGeom prst="rect">
@@ -3742,13 +4057,13 @@
         </p:sp>
         <p:sp>
           <p:nvSpPr>
-            <p:cNvPr id="19" name="tx19"/>
+            <p:cNvPr id="28" name="tx28"/>
             <p:cNvSpPr/>
             <p:nvPr/>
           </p:nvSpPr>
           <p:spPr>
             <a:xfrm>
-              <a:off x="3513263" y="2830943"/>
+              <a:off x="5298496" y="2817467"/>
               <a:ext cx="62155" cy="80327"/>
             </a:xfrm>
             <a:prstGeom prst="rect">
@@ -3788,13 +4103,13 @@
         </p:sp>
         <p:sp>
           <p:nvSpPr>
-            <p:cNvPr id="20" name="tx20"/>
+            <p:cNvPr id="29" name="tx29"/>
             <p:cNvSpPr/>
             <p:nvPr/>
           </p:nvSpPr>
           <p:spPr>
             <a:xfrm>
-              <a:off x="3513263" y="3050399"/>
+              <a:off x="5298496" y="3036923"/>
               <a:ext cx="62155" cy="80327"/>
             </a:xfrm>
             <a:prstGeom prst="rect">
@@ -3834,13 +4149,13 @@
         </p:sp>
         <p:sp>
           <p:nvSpPr>
-            <p:cNvPr id="21" name="tx21"/>
+            <p:cNvPr id="30" name="tx30"/>
             <p:cNvSpPr/>
             <p:nvPr/>
           </p:nvSpPr>
           <p:spPr>
             <a:xfrm>
-              <a:off x="3513263" y="3268436"/>
+              <a:off x="5298496" y="3254961"/>
               <a:ext cx="62155" cy="81746"/>
             </a:xfrm>
             <a:prstGeom prst="rect">
@@ -3880,13 +4195,13 @@
         </p:sp>
         <p:sp>
           <p:nvSpPr>
-            <p:cNvPr id="22" name="tx22"/>
+            <p:cNvPr id="31" name="tx31"/>
             <p:cNvSpPr/>
             <p:nvPr/>
           </p:nvSpPr>
           <p:spPr>
             <a:xfrm>
-              <a:off x="3513263" y="3489638"/>
+              <a:off x="5298496" y="3476163"/>
               <a:ext cx="62155" cy="80000"/>
             </a:xfrm>
             <a:prstGeom prst="rect">
@@ -3926,13 +4241,13 @@
         </p:sp>
         <p:sp>
           <p:nvSpPr>
-            <p:cNvPr id="23" name="tx23"/>
+            <p:cNvPr id="32" name="tx32"/>
             <p:cNvSpPr/>
             <p:nvPr/>
           </p:nvSpPr>
           <p:spPr>
             <a:xfrm>
-              <a:off x="3513263" y="3708821"/>
+              <a:off x="5298496" y="3695346"/>
               <a:ext cx="62155" cy="80272"/>
             </a:xfrm>
             <a:prstGeom prst="rect">
@@ -3966,6 +4281,52 @@
                   <a:cs typeface="Arial"/>
                 </a:rPr>
                 <a:t>5</a:t>
+              </a:r>
+            </a:p>
+          </p:txBody>
+        </p:sp>
+        <p:sp>
+          <p:nvSpPr>
+            <p:cNvPr id="33" name="tx33"/>
+            <p:cNvSpPr/>
+            <p:nvPr/>
+          </p:nvSpPr>
+          <p:spPr>
+            <a:xfrm>
+              <a:off x="5298496" y="3913383"/>
+              <a:ext cx="62155" cy="81691"/>
+            </a:xfrm>
+            <a:prstGeom prst="rect">
+              <a:avLst/>
+            </a:prstGeom>
+            <a:noFill/>
+          </p:spPr>
+          <p:txBody>
+            <a:bodyPr lIns="0" rIns="0" tIns="0" bIns="0" anchorCtr="1" anchor="ctr" wrap="none"/>
+            <a:lstStyle/>
+            <a:p>
+              <a:pPr algn="l" marL="0" marR="0" indent="0">
+                <a:lnSpc>
+                  <a:spcPts val="880"/>
+                </a:lnSpc>
+                <a:spcBef>
+                  <a:spcPts val="0"/>
+                </a:spcBef>
+                <a:spcAft>
+                  <a:spcPts val="0"/>
+                </a:spcAft>
+              </a:pPr>
+              <a:r>
+                <a:rPr sz="880">
+                  <a:solidFill>
+                    <a:srgbClr val="000000">
+                      <a:alpha val="100000"/>
+                    </a:srgbClr>
+                  </a:solidFill>
+                  <a:latin typeface="Arial"/>
+                  <a:cs typeface="Arial"/>
+                </a:rPr>
+                <a:t>6</a:t>
               </a:r>
             </a:p>
           </p:txBody>

--- a/outputs/scale.pptx
+++ b/outputs/scale.pptx
@@ -3108,10 +3108,10 @@
         </p:nvGrpSpPr>
         <p:grpSpPr>
           <a:xfrm>
-            <a:off x="1471613" y="1374775"/>
-            <a:ext cx="4619625" cy="2581275"/>
-            <a:chOff x="1471613" y="1374775"/>
-            <a:chExt cx="4619625" cy="2581275"/>
+            <a:off x="1190625" y="1112838"/>
+            <a:ext cx="5181600" cy="3105150"/>
+            <a:chOff x="1190625" y="1112838"/>
+            <a:chExt cx="5181600" cy="3105150"/>
           </a:xfrm>
         </p:grpSpPr>
         <p:sp>
@@ -3122,8 +3122,8 @@
           </p:nvSpPr>
           <p:spPr>
             <a:xfrm>
-              <a:off x="1471612" y="1374775"/>
-              <a:ext cx="4619625" cy="2581274"/>
+              <a:off x="1190625" y="1112837"/>
+              <a:ext cx="5181599" cy="3105150"/>
             </a:xfrm>
             <a:prstGeom prst="rect">
               <a:avLst/>
@@ -3157,322 +3157,7 @@
           </p:nvSpPr>
           <p:spPr>
             <a:xfrm>
-              <a:off x="1421391" y="3630959"/>
-              <a:ext cx="415518" cy="415518"/>
-            </a:xfrm>
-            <a:prstGeom prst="ellipse">
-              <a:avLst/>
-            </a:prstGeom>
-            <a:solidFill>
-              <a:srgbClr val="FFDC36">
-                <a:alpha val="100000"/>
-              </a:srgbClr>
-            </a:solidFill>
-            <a:ln w="9000" cap="rnd">
-              <a:solidFill>
-                <a:srgbClr val="FFDC36">
-                  <a:alpha val="100000"/>
-                </a:srgbClr>
-              </a:solidFill>
-              <a:prstDash val="solid"/>
-              <a:round/>
-            </a:ln>
-          </p:spPr>
-          <p:txBody>
-            <a:bodyPr/>
-            <a:lstStyle/>
-            <a:p/>
-          </p:txBody>
-        </p:sp>
-        <p:sp>
-          <p:nvSpPr>
-            <p:cNvPr id="5" name="pt5"/>
-            <p:cNvSpPr/>
-            <p:nvPr/>
-          </p:nvSpPr>
-          <p:spPr>
-            <a:xfrm>
-              <a:off x="1950742" y="3473139"/>
-              <a:ext cx="144506" cy="144506"/>
-            </a:xfrm>
-            <a:prstGeom prst="ellipse">
-              <a:avLst/>
-            </a:prstGeom>
-            <a:solidFill>
-              <a:srgbClr val="00843D">
-                <a:alpha val="100000"/>
-              </a:srgbClr>
-            </a:solidFill>
-            <a:ln w="9000" cap="rnd">
-              <a:solidFill>
-                <a:srgbClr val="00843D">
-                  <a:alpha val="100000"/>
-                </a:srgbClr>
-              </a:solidFill>
-              <a:prstDash val="solid"/>
-              <a:round/>
-            </a:ln>
-          </p:spPr>
-          <p:txBody>
-            <a:bodyPr/>
-            <a:lstStyle/>
-            <a:p/>
-          </p:txBody>
-        </p:sp>
-        <p:sp>
-          <p:nvSpPr>
-            <p:cNvPr id="6" name="pt6"/>
-            <p:cNvSpPr/>
-            <p:nvPr/>
-          </p:nvSpPr>
-          <p:spPr>
-            <a:xfrm>
-              <a:off x="2344588" y="3179812"/>
-              <a:ext cx="144506" cy="144506"/>
-            </a:xfrm>
-            <a:prstGeom prst="ellipse">
-              <a:avLst/>
-            </a:prstGeom>
-            <a:solidFill>
-              <a:srgbClr val="00B5D1">
-                <a:alpha val="100000"/>
-              </a:srgbClr>
-            </a:solidFill>
-            <a:ln w="9000" cap="rnd">
-              <a:solidFill>
-                <a:srgbClr val="00B5D1">
-                  <a:alpha val="100000"/>
-                </a:srgbClr>
-              </a:solidFill>
-              <a:prstDash val="solid"/>
-              <a:round/>
-            </a:ln>
-          </p:spPr>
-          <p:txBody>
-            <a:bodyPr/>
-            <a:lstStyle/>
-            <a:p/>
-          </p:txBody>
-        </p:sp>
-        <p:sp>
-          <p:nvSpPr>
-            <p:cNvPr id="7" name="pt7"/>
-            <p:cNvSpPr/>
-            <p:nvPr/>
-          </p:nvSpPr>
-          <p:spPr>
-            <a:xfrm>
-              <a:off x="2738433" y="2886486"/>
-              <a:ext cx="144506" cy="144506"/>
-            </a:xfrm>
-            <a:prstGeom prst="ellipse">
-              <a:avLst/>
-            </a:prstGeom>
-            <a:solidFill>
-              <a:srgbClr val="B06C96">
-                <a:alpha val="100000"/>
-              </a:srgbClr>
-            </a:solidFill>
-            <a:ln w="9000" cap="rnd">
-              <a:solidFill>
-                <a:srgbClr val="B06C96">
-                  <a:alpha val="100000"/>
-                </a:srgbClr>
-              </a:solidFill>
-              <a:prstDash val="solid"/>
-              <a:round/>
-            </a:ln>
-          </p:spPr>
-          <p:txBody>
-            <a:bodyPr/>
-            <a:lstStyle/>
-            <a:p/>
-          </p:txBody>
-        </p:sp>
-        <p:sp>
-          <p:nvSpPr>
-            <p:cNvPr id="8" name="pt8"/>
-            <p:cNvSpPr/>
-            <p:nvPr/>
-          </p:nvSpPr>
-          <p:spPr>
-            <a:xfrm>
-              <a:off x="3132278" y="2593159"/>
-              <a:ext cx="144506" cy="144506"/>
-            </a:xfrm>
-            <a:prstGeom prst="ellipse">
-              <a:avLst/>
-            </a:prstGeom>
-            <a:solidFill>
-              <a:srgbClr val="003865">
-                <a:alpha val="100000"/>
-              </a:srgbClr>
-            </a:solidFill>
-            <a:ln w="9000" cap="rnd">
-              <a:solidFill>
-                <a:srgbClr val="003865">
-                  <a:alpha val="100000"/>
-                </a:srgbClr>
-              </a:solidFill>
-              <a:prstDash val="solid"/>
-              <a:round/>
-            </a:ln>
-          </p:spPr>
-          <p:txBody>
-            <a:bodyPr/>
-            <a:lstStyle/>
-            <a:p/>
-          </p:txBody>
-        </p:sp>
-        <p:sp>
-          <p:nvSpPr>
-            <p:cNvPr id="9" name="pt9"/>
-            <p:cNvSpPr/>
-            <p:nvPr/>
-          </p:nvSpPr>
-          <p:spPr>
-            <a:xfrm>
-              <a:off x="3526124" y="2299832"/>
-              <a:ext cx="144506" cy="144506"/>
-            </a:xfrm>
-            <a:prstGeom prst="ellipse">
-              <a:avLst/>
-            </a:prstGeom>
-            <a:solidFill>
-              <a:srgbClr val="BE4D00">
-                <a:alpha val="100000"/>
-              </a:srgbClr>
-            </a:solidFill>
-            <a:ln w="9000" cap="rnd">
-              <a:solidFill>
-                <a:srgbClr val="BE4D00">
-                  <a:alpha val="100000"/>
-                </a:srgbClr>
-              </a:solidFill>
-              <a:prstDash val="solid"/>
-              <a:round/>
-            </a:ln>
-          </p:spPr>
-          <p:txBody>
-            <a:bodyPr/>
-            <a:lstStyle/>
-            <a:p/>
-          </p:txBody>
-        </p:sp>
-        <p:sp>
-          <p:nvSpPr>
-            <p:cNvPr id="10" name="pt10"/>
-            <p:cNvSpPr/>
-            <p:nvPr/>
-          </p:nvSpPr>
-          <p:spPr>
-            <a:xfrm>
-              <a:off x="3919969" y="2006505"/>
-              <a:ext cx="144506" cy="144506"/>
-            </a:xfrm>
-            <a:prstGeom prst="ellipse">
-              <a:avLst/>
-            </a:prstGeom>
-            <a:solidFill>
-              <a:srgbClr val="951272">
-                <a:alpha val="100000"/>
-              </a:srgbClr>
-            </a:solidFill>
-            <a:ln w="9000" cap="rnd">
-              <a:solidFill>
-                <a:srgbClr val="951272">
-                  <a:alpha val="100000"/>
-                </a:srgbClr>
-              </a:solidFill>
-              <a:prstDash val="solid"/>
-              <a:round/>
-            </a:ln>
-          </p:spPr>
-          <p:txBody>
-            <a:bodyPr/>
-            <a:lstStyle/>
-            <a:p/>
-          </p:txBody>
-        </p:sp>
-        <p:sp>
-          <p:nvSpPr>
-            <p:cNvPr id="11" name="pt11"/>
-            <p:cNvSpPr/>
-            <p:nvPr/>
-          </p:nvSpPr>
-          <p:spPr>
-            <a:xfrm>
-              <a:off x="4313814" y="1713179"/>
-              <a:ext cx="144506" cy="144506"/>
-            </a:xfrm>
-            <a:prstGeom prst="ellipse">
-              <a:avLst/>
-            </a:prstGeom>
-            <a:solidFill>
-              <a:srgbClr val="385A4F">
-                <a:alpha val="100000"/>
-              </a:srgbClr>
-            </a:solidFill>
-            <a:ln w="9000" cap="rnd">
-              <a:solidFill>
-                <a:srgbClr val="385A4F">
-                  <a:alpha val="100000"/>
-                </a:srgbClr>
-              </a:solidFill>
-              <a:prstDash val="solid"/>
-              <a:round/>
-            </a:ln>
-          </p:spPr>
-          <p:txBody>
-            <a:bodyPr/>
-            <a:lstStyle/>
-            <a:p/>
-          </p:txBody>
-        </p:sp>
-        <p:sp>
-          <p:nvSpPr>
-            <p:cNvPr id="12" name="pt12"/>
-            <p:cNvSpPr/>
-            <p:nvPr/>
-          </p:nvSpPr>
-          <p:spPr>
-            <a:xfrm>
-              <a:off x="4707660" y="1419852"/>
-              <a:ext cx="144506" cy="144506"/>
-            </a:xfrm>
-            <a:prstGeom prst="ellipse">
-              <a:avLst/>
-            </a:prstGeom>
-            <a:solidFill>
-              <a:srgbClr val="FFB948">
-                <a:alpha val="100000"/>
-              </a:srgbClr>
-            </a:solidFill>
-            <a:ln w="9000" cap="rnd">
-              <a:solidFill>
-                <a:srgbClr val="FFB948">
-                  <a:alpha val="100000"/>
-                </a:srgbClr>
-              </a:solidFill>
-              <a:prstDash val="solid"/>
-              <a:round/>
-            </a:ln>
-          </p:spPr>
-          <p:txBody>
-            <a:bodyPr/>
-            <a:lstStyle/>
-            <a:p/>
-          </p:txBody>
-        </p:sp>
-        <p:sp>
-          <p:nvSpPr>
-            <p:cNvPr id="13" name="pt13"/>
-            <p:cNvSpPr/>
-            <p:nvPr/>
-          </p:nvSpPr>
-          <p:spPr>
-            <a:xfrm>
-              <a:off x="5071692" y="1088339"/>
+              <a:off x="3286458" y="1088339"/>
               <a:ext cx="415518" cy="415518"/>
             </a:xfrm>
             <a:prstGeom prst="ellipse">
@@ -3501,13 +3186,13 @@
         </p:sp>
         <p:sp>
           <p:nvSpPr>
-            <p:cNvPr id="14" name="pt14"/>
+            <p:cNvPr id="5" name="pt5"/>
             <p:cNvSpPr/>
             <p:nvPr/>
           </p:nvSpPr>
           <p:spPr>
             <a:xfrm>
-              <a:off x="5207198" y="1603573"/>
+              <a:off x="3421964" y="1603573"/>
               <a:ext cx="144506" cy="144506"/>
             </a:xfrm>
             <a:prstGeom prst="ellipse">
@@ -3536,13 +3221,59 @@
         </p:sp>
         <p:sp>
           <p:nvSpPr>
-            <p:cNvPr id="15" name="tx15"/>
+            <p:cNvPr id="6" name="tx6"/>
             <p:cNvSpPr/>
             <p:nvPr/>
           </p:nvSpPr>
           <p:spPr>
             <a:xfrm>
-              <a:off x="5619040" y="1633152"/>
+              <a:off x="3833807" y="1253369"/>
+              <a:ext cx="472196" cy="82728"/>
+            </a:xfrm>
+            <a:prstGeom prst="rect">
+              <a:avLst/>
+            </a:prstGeom>
+            <a:noFill/>
+          </p:spPr>
+          <p:txBody>
+            <a:bodyPr lIns="0" rIns="0" tIns="0" bIns="0" anchorCtr="1" anchor="ctr" wrap="none"/>
+            <a:lstStyle/>
+            <a:p>
+              <a:pPr algn="l" marL="0" marR="0" indent="0">
+                <a:lnSpc>
+                  <a:spcPts val="880"/>
+                </a:lnSpc>
+                <a:spcBef>
+                  <a:spcPts val="0"/>
+                </a:spcBef>
+                <a:spcAft>
+                  <a:spcPts val="0"/>
+                </a:spcAft>
+              </a:pPr>
+              <a:r>
+                <a:rPr sz="880">
+                  <a:solidFill>
+                    <a:srgbClr val="000000">
+                      <a:alpha val="100000"/>
+                    </a:srgbClr>
+                  </a:solidFill>
+                  <a:latin typeface="Arial"/>
+                  <a:cs typeface="Arial"/>
+                </a:rPr>
+                <a:t>Guideline</a:t>
+              </a:r>
+            </a:p>
+          </p:txBody>
+        </p:sp>
+        <p:sp>
+          <p:nvSpPr>
+            <p:cNvPr id="7" name="tx7"/>
+            <p:cNvSpPr/>
+            <p:nvPr/>
+          </p:nvSpPr>
+          <p:spPr>
+            <a:xfrm>
+              <a:off x="3833807" y="1633152"/>
               <a:ext cx="130423" cy="82674"/>
             </a:xfrm>
             <a:prstGeom prst="rect">
@@ -3582,13 +3313,13 @@
         </p:sp>
         <p:sp>
           <p:nvSpPr>
-            <p:cNvPr id="16" name="tx16"/>
+            <p:cNvPr id="8" name="tx8"/>
             <p:cNvSpPr/>
             <p:nvPr/>
           </p:nvSpPr>
           <p:spPr>
             <a:xfrm>
-              <a:off x="5009451" y="1860589"/>
+              <a:off x="3224217" y="1867326"/>
               <a:ext cx="900751" cy="131105"/>
             </a:xfrm>
             <a:prstGeom prst="rect">
@@ -3628,13 +3359,13 @@
         </p:sp>
         <p:sp>
           <p:nvSpPr>
-            <p:cNvPr id="17" name="tx17"/>
+            <p:cNvPr id="9" name="tx9"/>
             <p:cNvSpPr/>
             <p:nvPr/>
           </p:nvSpPr>
           <p:spPr>
             <a:xfrm>
-              <a:off x="5009451" y="2039227"/>
+              <a:off x="3224217" y="2045965"/>
               <a:ext cx="1001569" cy="103342"/>
             </a:xfrm>
             <a:prstGeom prst="rect">
@@ -3674,13 +3405,13 @@
         </p:sp>
         <p:sp>
           <p:nvSpPr>
-            <p:cNvPr id="18" name="tx18"/>
+            <p:cNvPr id="10" name="tx10"/>
             <p:cNvSpPr/>
             <p:nvPr/>
           </p:nvSpPr>
           <p:spPr>
             <a:xfrm>
-              <a:off x="5009451" y="2191809"/>
+              <a:off x="3224217" y="2198546"/>
               <a:ext cx="745362" cy="101637"/>
             </a:xfrm>
             <a:prstGeom prst="rect">
@@ -3720,13 +3451,13 @@
         </p:sp>
         <p:sp>
           <p:nvSpPr>
-            <p:cNvPr id="19" name="tx19"/>
+            <p:cNvPr id="11" name="tx11"/>
             <p:cNvSpPr/>
             <p:nvPr/>
           </p:nvSpPr>
           <p:spPr>
             <a:xfrm>
-              <a:off x="5009451" y="2340911"/>
+              <a:off x="3224217" y="2347649"/>
               <a:ext cx="698909" cy="103410"/>
             </a:xfrm>
             <a:prstGeom prst="rect">
@@ -3766,13 +3497,13 @@
         </p:sp>
         <p:sp>
           <p:nvSpPr>
-            <p:cNvPr id="20" name="pt20"/>
+            <p:cNvPr id="12" name="pt12"/>
             <p:cNvSpPr/>
             <p:nvPr/>
           </p:nvSpPr>
           <p:spPr>
             <a:xfrm>
-              <a:off x="5046926" y="2566086"/>
+              <a:off x="3261692" y="2579561"/>
               <a:ext cx="144506" cy="144506"/>
             </a:xfrm>
             <a:prstGeom prst="ellipse">
@@ -3801,13 +3532,13 @@
         </p:sp>
         <p:sp>
           <p:nvSpPr>
-            <p:cNvPr id="21" name="pt21"/>
+            <p:cNvPr id="13" name="pt13"/>
             <p:cNvSpPr/>
             <p:nvPr/>
           </p:nvSpPr>
           <p:spPr>
             <a:xfrm>
-              <a:off x="5046926" y="2785542"/>
+              <a:off x="3261692" y="2799017"/>
               <a:ext cx="144506" cy="144506"/>
             </a:xfrm>
             <a:prstGeom prst="ellipse">
@@ -3836,13 +3567,13 @@
         </p:sp>
         <p:sp>
           <p:nvSpPr>
-            <p:cNvPr id="22" name="pt22"/>
+            <p:cNvPr id="14" name="pt14"/>
             <p:cNvSpPr/>
             <p:nvPr/>
           </p:nvSpPr>
           <p:spPr>
             <a:xfrm>
-              <a:off x="5046926" y="3004998"/>
+              <a:off x="3261692" y="3018473"/>
               <a:ext cx="144506" cy="144506"/>
             </a:xfrm>
             <a:prstGeom prst="ellipse">
@@ -3871,13 +3602,13 @@
         </p:sp>
         <p:sp>
           <p:nvSpPr>
-            <p:cNvPr id="23" name="pt23"/>
+            <p:cNvPr id="15" name="pt15"/>
             <p:cNvSpPr/>
             <p:nvPr/>
           </p:nvSpPr>
           <p:spPr>
             <a:xfrm>
-              <a:off x="5046926" y="3224454"/>
+              <a:off x="3261692" y="3237929"/>
               <a:ext cx="144506" cy="144506"/>
             </a:xfrm>
             <a:prstGeom prst="ellipse">
@@ -3906,13 +3637,13 @@
         </p:sp>
         <p:sp>
           <p:nvSpPr>
-            <p:cNvPr id="24" name="pt24"/>
+            <p:cNvPr id="16" name="pt16"/>
             <p:cNvSpPr/>
             <p:nvPr/>
           </p:nvSpPr>
           <p:spPr>
             <a:xfrm>
-              <a:off x="5046926" y="3443910"/>
+              <a:off x="3261692" y="3457385"/>
               <a:ext cx="144506" cy="144506"/>
             </a:xfrm>
             <a:prstGeom prst="ellipse">
@@ -3941,13 +3672,13 @@
         </p:sp>
         <p:sp>
           <p:nvSpPr>
-            <p:cNvPr id="25" name="pt25"/>
+            <p:cNvPr id="17" name="pt17"/>
             <p:cNvSpPr/>
             <p:nvPr/>
           </p:nvSpPr>
           <p:spPr>
             <a:xfrm>
-              <a:off x="5046926" y="3663366"/>
+              <a:off x="3261692" y="3676841"/>
               <a:ext cx="144506" cy="144506"/>
             </a:xfrm>
             <a:prstGeom prst="ellipse">
@@ -3976,13 +3707,13 @@
         </p:sp>
         <p:sp>
           <p:nvSpPr>
-            <p:cNvPr id="26" name="pt26"/>
+            <p:cNvPr id="18" name="pt18"/>
             <p:cNvSpPr/>
             <p:nvPr/>
           </p:nvSpPr>
           <p:spPr>
             <a:xfrm>
-              <a:off x="5046926" y="3882822"/>
+              <a:off x="3261692" y="3896297"/>
               <a:ext cx="144506" cy="144506"/>
             </a:xfrm>
             <a:prstGeom prst="ellipse">
@@ -4011,13 +3742,48 @@
         </p:sp>
         <p:sp>
           <p:nvSpPr>
-            <p:cNvPr id="27" name="tx27"/>
+            <p:cNvPr id="19" name="pt19"/>
             <p:cNvSpPr/>
             <p:nvPr/>
           </p:nvSpPr>
           <p:spPr>
             <a:xfrm>
-              <a:off x="5298496" y="2596647"/>
+              <a:off x="3261692" y="4115753"/>
+              <a:ext cx="144506" cy="144506"/>
+            </a:xfrm>
+            <a:prstGeom prst="ellipse">
+              <a:avLst/>
+            </a:prstGeom>
+            <a:solidFill>
+              <a:srgbClr val="385A4F">
+                <a:alpha val="100000"/>
+              </a:srgbClr>
+            </a:solidFill>
+            <a:ln w="9000" cap="rnd">
+              <a:solidFill>
+                <a:srgbClr val="385A4F">
+                  <a:alpha val="100000"/>
+                </a:srgbClr>
+              </a:solidFill>
+              <a:prstDash val="solid"/>
+              <a:round/>
+            </a:ln>
+          </p:spPr>
+          <p:txBody>
+            <a:bodyPr/>
+            <a:lstStyle/>
+            <a:p/>
+          </p:txBody>
+        </p:sp>
+        <p:sp>
+          <p:nvSpPr>
+            <p:cNvPr id="20" name="tx20"/>
+            <p:cNvSpPr/>
+            <p:nvPr/>
+          </p:nvSpPr>
+          <p:spPr>
+            <a:xfrm>
+              <a:off x="3513263" y="2610122"/>
               <a:ext cx="62155" cy="81691"/>
             </a:xfrm>
             <a:prstGeom prst="rect">
@@ -4057,13 +3823,13 @@
         </p:sp>
         <p:sp>
           <p:nvSpPr>
-            <p:cNvPr id="28" name="tx28"/>
+            <p:cNvPr id="21" name="tx21"/>
             <p:cNvSpPr/>
             <p:nvPr/>
           </p:nvSpPr>
           <p:spPr>
             <a:xfrm>
-              <a:off x="5298496" y="2817467"/>
+              <a:off x="3513263" y="2830943"/>
               <a:ext cx="62155" cy="80327"/>
             </a:xfrm>
             <a:prstGeom prst="rect">
@@ -4103,13 +3869,13 @@
         </p:sp>
         <p:sp>
           <p:nvSpPr>
-            <p:cNvPr id="29" name="tx29"/>
+            <p:cNvPr id="22" name="tx22"/>
             <p:cNvSpPr/>
             <p:nvPr/>
           </p:nvSpPr>
           <p:spPr>
             <a:xfrm>
-              <a:off x="5298496" y="3036923"/>
+              <a:off x="3513263" y="3050399"/>
               <a:ext cx="62155" cy="80327"/>
             </a:xfrm>
             <a:prstGeom prst="rect">
@@ -4149,13 +3915,13 @@
         </p:sp>
         <p:sp>
           <p:nvSpPr>
-            <p:cNvPr id="30" name="tx30"/>
+            <p:cNvPr id="23" name="tx23"/>
             <p:cNvSpPr/>
             <p:nvPr/>
           </p:nvSpPr>
           <p:spPr>
             <a:xfrm>
-              <a:off x="5298496" y="3254961"/>
+              <a:off x="3513263" y="3268436"/>
               <a:ext cx="62155" cy="81746"/>
             </a:xfrm>
             <a:prstGeom prst="rect">
@@ -4195,13 +3961,13 @@
         </p:sp>
         <p:sp>
           <p:nvSpPr>
-            <p:cNvPr id="31" name="tx31"/>
+            <p:cNvPr id="24" name="tx24"/>
             <p:cNvSpPr/>
             <p:nvPr/>
           </p:nvSpPr>
           <p:spPr>
             <a:xfrm>
-              <a:off x="5298496" y="3476163"/>
+              <a:off x="3513263" y="3489638"/>
               <a:ext cx="62155" cy="80000"/>
             </a:xfrm>
             <a:prstGeom prst="rect">
@@ -4241,13 +4007,13 @@
         </p:sp>
         <p:sp>
           <p:nvSpPr>
-            <p:cNvPr id="32" name="tx32"/>
+            <p:cNvPr id="25" name="tx25"/>
             <p:cNvSpPr/>
             <p:nvPr/>
           </p:nvSpPr>
           <p:spPr>
             <a:xfrm>
-              <a:off x="5298496" y="3695346"/>
+              <a:off x="3513263" y="3708821"/>
               <a:ext cx="62155" cy="80272"/>
             </a:xfrm>
             <a:prstGeom prst="rect">
@@ -4287,13 +4053,13 @@
         </p:sp>
         <p:sp>
           <p:nvSpPr>
-            <p:cNvPr id="33" name="tx33"/>
+            <p:cNvPr id="26" name="tx26"/>
             <p:cNvSpPr/>
             <p:nvPr/>
           </p:nvSpPr>
           <p:spPr>
             <a:xfrm>
-              <a:off x="5298496" y="3913383"/>
+              <a:off x="3513263" y="3926858"/>
               <a:ext cx="62155" cy="81691"/>
             </a:xfrm>
             <a:prstGeom prst="rect">
@@ -4327,6 +4093,52 @@
                   <a:cs typeface="Arial"/>
                 </a:rPr>
                 <a:t>6</a:t>
+              </a:r>
+            </a:p>
+          </p:txBody>
+        </p:sp>
+        <p:sp>
+          <p:nvSpPr>
+            <p:cNvPr id="27" name="tx27"/>
+            <p:cNvSpPr/>
+            <p:nvPr/>
+          </p:nvSpPr>
+          <p:spPr>
+            <a:xfrm>
+              <a:off x="3513263" y="4149043"/>
+              <a:ext cx="62155" cy="78963"/>
+            </a:xfrm>
+            <a:prstGeom prst="rect">
+              <a:avLst/>
+            </a:prstGeom>
+            <a:noFill/>
+          </p:spPr>
+          <p:txBody>
+            <a:bodyPr lIns="0" rIns="0" tIns="0" bIns="0" anchorCtr="1" anchor="ctr" wrap="none"/>
+            <a:lstStyle/>
+            <a:p>
+              <a:pPr algn="l" marL="0" marR="0" indent="0">
+                <a:lnSpc>
+                  <a:spcPts val="880"/>
+                </a:lnSpc>
+                <a:spcBef>
+                  <a:spcPts val="0"/>
+                </a:spcBef>
+                <a:spcAft>
+                  <a:spcPts val="0"/>
+                </a:spcAft>
+              </a:pPr>
+              <a:r>
+                <a:rPr sz="880">
+                  <a:solidFill>
+                    <a:srgbClr val="000000">
+                      <a:alpha val="100000"/>
+                    </a:srgbClr>
+                  </a:solidFill>
+                  <a:latin typeface="Arial"/>
+                  <a:cs typeface="Arial"/>
+                </a:rPr>
+                <a:t>7</a:t>
               </a:r>
             </a:p>
           </p:txBody>

--- a/outputs/scale.pptx
+++ b/outputs/scale.pptx
@@ -3108,10 +3108,10 @@
         </p:nvGrpSpPr>
         <p:grpSpPr>
           <a:xfrm>
-            <a:off x="1190625" y="1112838"/>
-            <a:ext cx="5181600" cy="3105150"/>
-            <a:chOff x="1190625" y="1112838"/>
-            <a:chExt cx="5181600" cy="3105150"/>
+            <a:off x="1190625" y="1079500"/>
+            <a:ext cx="5181600" cy="3171825"/>
+            <a:chOff x="1190625" y="1079500"/>
+            <a:chExt cx="5181600" cy="3171825"/>
           </a:xfrm>
         </p:grpSpPr>
         <p:sp>
@@ -3122,8 +3122,8 @@
           </p:nvSpPr>
           <p:spPr>
             <a:xfrm>
-              <a:off x="1190625" y="1112837"/>
-              <a:ext cx="5181599" cy="3105150"/>
+              <a:off x="1190625" y="1079499"/>
+              <a:ext cx="5181599" cy="3171825"/>
             </a:xfrm>
             <a:prstGeom prst="rect">
               <a:avLst/>
